--- a/lessons/E_DataPrep_Rpart_RF/A_Decision Trees.pptx
+++ b/lessons/E_DataPrep_Rpart_RF/A_Decision Trees.pptx
@@ -5,7 +5,7 @@
     <p:sldMasterId id="2147483660" r:id="rId1"/>
   </p:sldMasterIdLst>
   <p:notesMasterIdLst>
-    <p:notesMasterId r:id="rId34"/>
+    <p:notesMasterId r:id="rId38"/>
   </p:notesMasterIdLst>
   <p:sldIdLst>
     <p:sldId id="297" r:id="rId2"/>
@@ -40,6 +40,10 @@
     <p:sldId id="371" r:id="rId31"/>
     <p:sldId id="372" r:id="rId32"/>
     <p:sldId id="329" r:id="rId33"/>
+    <p:sldId id="373" r:id="rId34"/>
+    <p:sldId id="374" r:id="rId35"/>
+    <p:sldId id="375" r:id="rId36"/>
+    <p:sldId id="376" r:id="rId37"/>
   </p:sldIdLst>
   <p:sldSz cx="9144000" cy="6858000" type="screen4x3"/>
   <p:notesSz cx="6858000" cy="9144000"/>
@@ -242,7 +246,7 @@
           <a:p>
             <a:fld id="{B0C0A60C-850A-4EA4-9C14-A8FE98B94505}" type="datetimeFigureOut">
               <a:rPr lang="en-US" smtClean="0"/>
-              <a:t>5/11/23</a:t>
+              <a:t>5/17/23</a:t>
             </a:fld>
             <a:endParaRPr lang="en-US"/>
           </a:p>
@@ -1136,7 +1140,7 @@
           <a:p>
             <a:fld id="{5738B90E-0779-4C36-915C-6F05FCD89456}" type="datetime1">
               <a:rPr lang="en-US" smtClean="0"/>
-              <a:t>5/11/23</a:t>
+              <a:t>5/17/23</a:t>
             </a:fld>
             <a:endParaRPr lang="en-US"/>
           </a:p>
@@ -1319,7 +1323,7 @@
           <a:p>
             <a:fld id="{7B9EA29D-D431-42FE-B7B6-AAE4454C77D3}" type="datetime1">
               <a:rPr lang="en-US" smtClean="0"/>
-              <a:t>5/11/23</a:t>
+              <a:t>5/17/23</a:t>
             </a:fld>
             <a:endParaRPr lang="en-US"/>
           </a:p>
@@ -1562,7 +1566,7 @@
           <a:p>
             <a:fld id="{690D8A1E-EA8F-46C1-B891-AE0C00D9C314}" type="datetime1">
               <a:rPr lang="en-US" smtClean="0"/>
-              <a:t>5/11/23</a:t>
+              <a:t>5/17/23</a:t>
             </a:fld>
             <a:endParaRPr lang="en-US"/>
           </a:p>
@@ -1821,7 +1825,7 @@
           <a:p>
             <a:fld id="{D753EFC8-4232-4598-94F6-94C0EBAFC469}" type="datetime1">
               <a:rPr lang="en-US" smtClean="0"/>
-              <a:t>5/11/23</a:t>
+              <a:t>5/17/23</a:t>
             </a:fld>
             <a:endParaRPr lang="en-US"/>
           </a:p>
@@ -2101,7 +2105,7 @@
           <a:p>
             <a:fld id="{F3161074-1C18-4AE7-957D-F18524378C85}" type="datetime1">
               <a:rPr lang="en-US" smtClean="0"/>
-              <a:t>5/11/23</a:t>
+              <a:t>5/17/23</a:t>
             </a:fld>
             <a:endParaRPr lang="en-US"/>
           </a:p>
@@ -2340,7 +2344,7 @@
           <a:p>
             <a:fld id="{69BE256C-8D9A-4404-B47D-41A1AE514425}" type="datetime1">
               <a:rPr lang="en-US" smtClean="0"/>
-              <a:t>5/11/23</a:t>
+              <a:t>5/17/23</a:t>
             </a:fld>
             <a:endParaRPr lang="en-US"/>
           </a:p>
@@ -2739,7 +2743,7 @@
           <a:p>
             <a:fld id="{66CB2154-9035-4012-8189-BAAB61C5A5EE}" type="datetime1">
               <a:rPr lang="en-US" smtClean="0"/>
-              <a:t>5/11/23</a:t>
+              <a:t>5/17/23</a:t>
             </a:fld>
             <a:endParaRPr lang="en-US"/>
           </a:p>
@@ -2896,7 +2900,7 @@
           <a:p>
             <a:fld id="{6700A58B-DD98-43D0-B791-721480A02982}" type="datetime1">
               <a:rPr lang="en-US" smtClean="0"/>
-              <a:t>5/11/23</a:t>
+              <a:t>5/17/23</a:t>
             </a:fld>
             <a:endParaRPr lang="en-US"/>
           </a:p>
@@ -3053,7 +3057,7 @@
           <a:p>
             <a:fld id="{7DB6E382-4F61-4E24-BE1A-377EC83D0E3A}" type="datetime1">
               <a:rPr lang="en-US" smtClean="0"/>
-              <a:t>5/11/23</a:t>
+              <a:t>5/17/23</a:t>
             </a:fld>
             <a:endParaRPr lang="en-US"/>
           </a:p>
@@ -3329,7 +3333,7 @@
           <a:p>
             <a:fld id="{4142EED6-FC16-45B9-B8C4-2BC5DBA88325}" type="datetime1">
               <a:rPr lang="en-US" smtClean="0"/>
-              <a:t>5/11/23</a:t>
+              <a:t>5/17/23</a:t>
             </a:fld>
             <a:endParaRPr lang="en-US"/>
           </a:p>
@@ -3612,7 +3616,7 @@
           <a:p>
             <a:fld id="{DF59512B-4F1D-43D7-8819-2F53FEF69650}" type="datetime1">
               <a:rPr lang="en-US" smtClean="0"/>
-              <a:t>5/11/23</a:t>
+              <a:t>5/17/23</a:t>
             </a:fld>
             <a:endParaRPr lang="en-US"/>
           </a:p>
@@ -3853,7 +3857,7 @@
           <a:p>
             <a:fld id="{08437B94-E2BF-44DC-ADC5-B05FC9934E9D}" type="datetime1">
               <a:rPr lang="en-US" smtClean="0"/>
-              <a:t>5/11/23</a:t>
+              <a:t>5/17/23</a:t>
             </a:fld>
             <a:endParaRPr lang="en-US"/>
           </a:p>
@@ -4373,7 +4377,7 @@
           <a:p>
             <a:fld id="{5738B90E-0779-4C36-915C-6F05FCD89456}" type="datetime1">
               <a:rPr lang="en-US" smtClean="0"/>
-              <a:t>5/11/23</a:t>
+              <a:t>5/17/23</a:t>
             </a:fld>
             <a:endParaRPr lang="en-US"/>
           </a:p>
@@ -4507,7 +4511,7 @@
           <a:p>
             <a:fld id="{6700A58B-DD98-43D0-B791-721480A02982}" type="datetime1">
               <a:rPr lang="en-US" smtClean="0"/>
-              <a:t>5/11/23</a:t>
+              <a:t>5/17/23</a:t>
             </a:fld>
             <a:endParaRPr lang="en-US"/>
           </a:p>
@@ -4879,7 +4883,7 @@
           <a:p>
             <a:fld id="{6700A58B-DD98-43D0-B791-721480A02982}" type="datetime1">
               <a:rPr lang="en-US" smtClean="0"/>
-              <a:t>5/11/23</a:t>
+              <a:t>5/17/23</a:t>
             </a:fld>
             <a:endParaRPr lang="en-US"/>
           </a:p>
@@ -5192,7 +5196,7 @@
           <a:p>
             <a:fld id="{6700A58B-DD98-43D0-B791-721480A02982}" type="datetime1">
               <a:rPr lang="en-US" smtClean="0"/>
-              <a:t>5/11/23</a:t>
+              <a:t>5/17/23</a:t>
             </a:fld>
             <a:endParaRPr lang="en-US"/>
           </a:p>
@@ -5505,7 +5509,7 @@
           <a:p>
             <a:fld id="{6700A58B-DD98-43D0-B791-721480A02982}" type="datetime1">
               <a:rPr lang="en-US" smtClean="0"/>
-              <a:t>5/11/23</a:t>
+              <a:t>5/17/23</a:t>
             </a:fld>
             <a:endParaRPr lang="en-US"/>
           </a:p>
@@ -5956,7 +5960,7 @@
           <a:p>
             <a:fld id="{6700A58B-DD98-43D0-B791-721480A02982}" type="datetime1">
               <a:rPr lang="en-US" smtClean="0"/>
-              <a:t>5/11/23</a:t>
+              <a:t>5/17/23</a:t>
             </a:fld>
             <a:endParaRPr lang="en-US"/>
           </a:p>
@@ -6768,7 +6772,7 @@
           <a:p>
             <a:fld id="{6700A58B-DD98-43D0-B791-721480A02982}" type="datetime1">
               <a:rPr lang="en-US" smtClean="0"/>
-              <a:t>5/11/23</a:t>
+              <a:t>5/17/23</a:t>
             </a:fld>
             <a:endParaRPr lang="en-US"/>
           </a:p>
@@ -8348,7 +8352,7 @@
           <a:p>
             <a:fld id="{6700A58B-DD98-43D0-B791-721480A02982}" type="datetime1">
               <a:rPr lang="en-US" smtClean="0"/>
-              <a:t>5/11/23</a:t>
+              <a:t>5/17/23</a:t>
             </a:fld>
             <a:endParaRPr lang="en-US"/>
           </a:p>
@@ -9256,7 +9260,7 @@
           <a:p>
             <a:fld id="{6700A58B-DD98-43D0-B791-721480A02982}" type="datetime1">
               <a:rPr lang="en-US" smtClean="0"/>
-              <a:t>5/11/23</a:t>
+              <a:t>5/17/23</a:t>
             </a:fld>
             <a:endParaRPr lang="en-US"/>
           </a:p>
@@ -10209,7 +10213,7 @@
           <a:p>
             <a:fld id="{6700A58B-DD98-43D0-B791-721480A02982}" type="datetime1">
               <a:rPr lang="en-US" smtClean="0"/>
-              <a:t>5/11/23</a:t>
+              <a:t>5/17/23</a:t>
             </a:fld>
             <a:endParaRPr lang="en-US"/>
           </a:p>
@@ -10551,7 +10555,7 @@
           <a:p>
             <a:fld id="{6700A58B-DD98-43D0-B791-721480A02982}" type="datetime1">
               <a:rPr lang="en-US" smtClean="0"/>
-              <a:t>5/11/23</a:t>
+              <a:t>5/17/23</a:t>
             </a:fld>
             <a:endParaRPr lang="en-US"/>
           </a:p>
@@ -10897,7 +10901,7 @@
           <a:p>
             <a:fld id="{6700A58B-DD98-43D0-B791-721480A02982}" type="datetime1">
               <a:rPr lang="en-US" smtClean="0"/>
-              <a:t>5/11/23</a:t>
+              <a:t>5/17/23</a:t>
             </a:fld>
             <a:endParaRPr lang="en-US"/>
           </a:p>
@@ -12375,7 +12379,7 @@
                 <a:tabLst/>
                 <a:defRPr/>
               </a:pPr>
-              <a:t>5/11/23</a:t>
+              <a:t>5/17/23</a:t>
             </a:fld>
             <a:endParaRPr kumimoji="0" lang="en-US" sz="900" b="0" i="0" u="none" strike="noStrike" kern="1200" cap="none" spc="0" normalizeH="0" baseline="0" noProof="0">
               <a:ln>
@@ -13851,7 +13855,7 @@
                 <a:tabLst/>
                 <a:defRPr/>
               </a:pPr>
-              <a:t>5/11/23</a:t>
+              <a:t>5/17/23</a:t>
             </a:fld>
             <a:endParaRPr kumimoji="0" lang="en-US" sz="900" b="0" i="0" u="none" strike="noStrike" kern="1200" cap="none" spc="0" normalizeH="0" baseline="0" noProof="0">
               <a:ln>
@@ -15389,7 +15393,7 @@
                 <a:tabLst/>
                 <a:defRPr/>
               </a:pPr>
-              <a:t>5/11/23</a:t>
+              <a:t>5/17/23</a:t>
             </a:fld>
             <a:endParaRPr kumimoji="0" lang="en-US" sz="900" b="0" i="0" u="none" strike="noStrike" kern="1200" cap="none" spc="0" normalizeH="0" baseline="0" noProof="0">
               <a:ln>
@@ -16028,7 +16032,7 @@
                 <a:tabLst/>
                 <a:defRPr/>
               </a:pPr>
-              <a:t>5/11/23</a:t>
+              <a:t>5/17/23</a:t>
             </a:fld>
             <a:endParaRPr kumimoji="0" lang="en-US" sz="900" b="0" i="0" u="none" strike="noStrike" kern="1200" cap="none" spc="0" normalizeH="0" baseline="0" noProof="0">
               <a:ln>
@@ -16712,7 +16716,7 @@
           <a:p>
             <a:fld id="{9B19E99B-5349-415A-8E56-8E989211A366}" type="datetime1">
               <a:rPr lang="en-US" smtClean="0"/>
-              <a:t>5/11/23</a:t>
+              <a:t>5/17/23</a:t>
             </a:fld>
             <a:endParaRPr lang="en-US"/>
           </a:p>
@@ -16874,7 +16878,7 @@
           <a:p>
             <a:fld id="{6700A58B-DD98-43D0-B791-721480A02982}" type="datetime1">
               <a:rPr lang="en-US" smtClean="0"/>
-              <a:t>5/11/23</a:t>
+              <a:t>5/17/23</a:t>
             </a:fld>
             <a:endParaRPr lang="en-US"/>
           </a:p>
@@ -17139,7 +17143,7 @@
           <a:p>
             <a:fld id="{6700A58B-DD98-43D0-B791-721480A02982}" type="datetime1">
               <a:rPr lang="en-US" smtClean="0"/>
-              <a:t>5/11/23</a:t>
+              <a:t>5/17/23</a:t>
             </a:fld>
             <a:endParaRPr lang="en-US"/>
           </a:p>
@@ -17475,7 +17479,7 @@
           <a:p>
             <a:fld id="{6700A58B-DD98-43D0-B791-721480A02982}" type="datetime1">
               <a:rPr lang="en-US" smtClean="0"/>
-              <a:t>5/11/23</a:t>
+              <a:t>5/17/23</a:t>
             </a:fld>
             <a:endParaRPr lang="en-US"/>
           </a:p>
@@ -17955,7 +17959,7 @@
           <a:p>
             <a:fld id="{6700A58B-DD98-43D0-B791-721480A02982}" type="datetime1">
               <a:rPr lang="en-US" smtClean="0"/>
-              <a:t>5/11/23</a:t>
+              <a:t>5/17/23</a:t>
             </a:fld>
             <a:endParaRPr lang="en-US"/>
           </a:p>
@@ -19420,7 +19424,7 @@
           <a:p>
             <a:fld id="{6700A58B-DD98-43D0-B791-721480A02982}" type="datetime1">
               <a:rPr lang="en-US" smtClean="0"/>
-              <a:t>5/11/23</a:t>
+              <a:t>5/17/23</a:t>
             </a:fld>
             <a:endParaRPr lang="en-US"/>
           </a:p>
@@ -19838,7 +19842,7 @@
           <a:p>
             <a:fld id="{6700A58B-DD98-43D0-B791-721480A02982}" type="datetime1">
               <a:rPr lang="en-US" smtClean="0"/>
-              <a:t>5/11/23</a:t>
+              <a:t>5/17/23</a:t>
             </a:fld>
             <a:endParaRPr lang="en-US"/>
           </a:p>
@@ -20094,7 +20098,7 @@
           <a:p>
             <a:fld id="{6700A58B-DD98-43D0-B791-721480A02982}" type="datetime1">
               <a:rPr lang="en-US" smtClean="0"/>
-              <a:t>5/11/23</a:t>
+              <a:t>5/17/23</a:t>
             </a:fld>
             <a:endParaRPr lang="en-US"/>
           </a:p>
@@ -21073,7 +21077,7 @@
           <a:p>
             <a:fld id="{6700A58B-DD98-43D0-B791-721480A02982}" type="datetime1">
               <a:rPr lang="en-US" smtClean="0"/>
-              <a:t>5/11/23</a:t>
+              <a:t>5/17/23</a:t>
             </a:fld>
             <a:endParaRPr lang="en-US"/>
           </a:p>
@@ -22125,7 +22129,7 @@
           <a:p>
             <a:fld id="{6700A58B-DD98-43D0-B791-721480A02982}" type="datetime1">
               <a:rPr lang="en-US" smtClean="0"/>
-              <a:t>5/11/23</a:t>
+              <a:t>5/17/23</a:t>
             </a:fld>
             <a:endParaRPr lang="en-US"/>
           </a:p>
@@ -22254,6 +22258,2538 @@
     <p:extLst>
       <p:ext uri="{BB962C8B-B14F-4D97-AF65-F5344CB8AC3E}">
         <p14:creationId xmlns:p14="http://schemas.microsoft.com/office/powerpoint/2010/main" val="1210889520"/>
+      </p:ext>
+    </p:extLst>
+  </p:cSld>
+  <p:clrMapOvr>
+    <a:masterClrMapping/>
+  </p:clrMapOvr>
+</p:sld>
+</file>
+
+<file path=ppt/slides/slide33.xml><?xml version="1.0" encoding="utf-8"?>
+<p:sld xmlns:a="http://schemas.openxmlformats.org/drawingml/2006/main" xmlns:r="http://schemas.openxmlformats.org/officeDocument/2006/relationships" xmlns:p="http://schemas.openxmlformats.org/presentationml/2006/main">
+  <p:cSld>
+    <p:spTree>
+      <p:nvGrpSpPr>
+        <p:cNvPr id="1" name=""/>
+        <p:cNvGrpSpPr/>
+        <p:nvPr/>
+      </p:nvGrpSpPr>
+      <p:grpSpPr>
+        <a:xfrm>
+          <a:off x="0" y="0"/>
+          <a:ext cx="0" cy="0"/>
+          <a:chOff x="0" y="0"/>
+          <a:chExt cx="0" cy="0"/>
+        </a:xfrm>
+      </p:grpSpPr>
+      <p:sp>
+        <p:nvSpPr>
+          <p:cNvPr id="2" name="Date Placeholder 1">
+            <a:extLst>
+              <a:ext uri="{FF2B5EF4-FFF2-40B4-BE49-F238E27FC236}">
+                <a16:creationId xmlns:a16="http://schemas.microsoft.com/office/drawing/2014/main" id="{8C354900-0A49-37C8-8579-D0B71DA344C4}"/>
+              </a:ext>
+            </a:extLst>
+          </p:cNvPr>
+          <p:cNvSpPr>
+            <a:spLocks noGrp="1"/>
+          </p:cNvSpPr>
+          <p:nvPr>
+            <p:ph type="dt" sz="half" idx="10"/>
+          </p:nvPr>
+        </p:nvSpPr>
+        <p:spPr/>
+        <p:txBody>
+          <a:bodyPr/>
+          <a:lstStyle/>
+          <a:p>
+            <a:fld id="{6700A58B-DD98-43D0-B791-721480A02982}" type="datetime1">
+              <a:rPr lang="en-US" smtClean="0"/>
+              <a:t>5/17/23</a:t>
+            </a:fld>
+            <a:endParaRPr lang="en-US"/>
+          </a:p>
+        </p:txBody>
+      </p:sp>
+      <p:sp>
+        <p:nvSpPr>
+          <p:cNvPr id="3" name="Title 2">
+            <a:extLst>
+              <a:ext uri="{FF2B5EF4-FFF2-40B4-BE49-F238E27FC236}">
+                <a16:creationId xmlns:a16="http://schemas.microsoft.com/office/drawing/2014/main" id="{208DE6D3-C8B6-7AA5-BA0A-C6E82F68B100}"/>
+              </a:ext>
+            </a:extLst>
+          </p:cNvPr>
+          <p:cNvSpPr>
+            <a:spLocks noGrp="1"/>
+          </p:cNvSpPr>
+          <p:nvPr>
+            <p:ph type="title"/>
+          </p:nvPr>
+        </p:nvSpPr>
+        <p:spPr>
+          <a:xfrm>
+            <a:off x="185530" y="365126"/>
+            <a:ext cx="8958470" cy="591477"/>
+          </a:xfrm>
+        </p:spPr>
+        <p:txBody>
+          <a:bodyPr/>
+          <a:lstStyle/>
+          <a:p>
+            <a:r>
+              <a:rPr lang="en-US" dirty="0"/>
+              <a:t>What about for continuous [regression] problems?</a:t>
+            </a:r>
+          </a:p>
+        </p:txBody>
+      </p:sp>
+      <p:sp>
+        <p:nvSpPr>
+          <p:cNvPr id="4" name="Slide Number Placeholder 3">
+            <a:extLst>
+              <a:ext uri="{FF2B5EF4-FFF2-40B4-BE49-F238E27FC236}">
+                <a16:creationId xmlns:a16="http://schemas.microsoft.com/office/drawing/2014/main" id="{94815807-2EFC-ED05-4B16-0EB7AAD20E5C}"/>
+              </a:ext>
+            </a:extLst>
+          </p:cNvPr>
+          <p:cNvSpPr>
+            <a:spLocks noGrp="1"/>
+          </p:cNvSpPr>
+          <p:nvPr>
+            <p:ph type="sldNum" sz="quarter" idx="12"/>
+          </p:nvPr>
+        </p:nvSpPr>
+        <p:spPr/>
+        <p:txBody>
+          <a:bodyPr/>
+          <a:lstStyle/>
+          <a:p>
+            <a:fld id="{37290FF7-652B-4475-AEAB-8B1A5D23AE09}" type="slidenum">
+              <a:rPr lang="en-US" smtClean="0"/>
+              <a:t>33</a:t>
+            </a:fld>
+            <a:endParaRPr lang="en-US"/>
+          </a:p>
+        </p:txBody>
+      </p:sp>
+      <p:sp>
+        <p:nvSpPr>
+          <p:cNvPr id="5" name="Footer Placeholder 4">
+            <a:extLst>
+              <a:ext uri="{FF2B5EF4-FFF2-40B4-BE49-F238E27FC236}">
+                <a16:creationId xmlns:a16="http://schemas.microsoft.com/office/drawing/2014/main" id="{C3D51310-7C16-B9F7-50CF-B88314FA1DC1}"/>
+              </a:ext>
+            </a:extLst>
+          </p:cNvPr>
+          <p:cNvSpPr>
+            <a:spLocks noGrp="1"/>
+          </p:cNvSpPr>
+          <p:nvPr>
+            <p:ph type="ftr" sz="quarter" idx="3"/>
+          </p:nvPr>
+        </p:nvSpPr>
+        <p:spPr/>
+        <p:txBody>
+          <a:bodyPr/>
+          <a:lstStyle/>
+          <a:p>
+            <a:r>
+              <a:rPr lang="en-US"/>
+              <a:t>Kwartler</a:t>
+            </a:r>
+            <a:endParaRPr lang="en-US" dirty="0"/>
+          </a:p>
+        </p:txBody>
+      </p:sp>
+      <p:sp>
+        <p:nvSpPr>
+          <p:cNvPr id="6" name="TextBox 5">
+            <a:extLst>
+              <a:ext uri="{FF2B5EF4-FFF2-40B4-BE49-F238E27FC236}">
+                <a16:creationId xmlns:a16="http://schemas.microsoft.com/office/drawing/2014/main" id="{C3B0DF1F-3689-C0E7-FBE0-D92B72F3A8C3}"/>
+              </a:ext>
+            </a:extLst>
+          </p:cNvPr>
+          <p:cNvSpPr txBox="1"/>
+          <p:nvPr/>
+        </p:nvSpPr>
+        <p:spPr>
+          <a:xfrm>
+            <a:off x="6457950" y="2448134"/>
+            <a:ext cx="2486601" cy="1200329"/>
+          </a:xfrm>
+          <a:prstGeom prst="rect">
+            <a:avLst/>
+          </a:prstGeom>
+          <a:noFill/>
+        </p:spPr>
+        <p:txBody>
+          <a:bodyPr wrap="square" rtlCol="0">
+            <a:spAutoFit/>
+          </a:bodyPr>
+          <a:lstStyle/>
+          <a:p>
+            <a:r>
+              <a:rPr lang="en-US" dirty="0"/>
+              <a:t>The same “cohort” partitioning occurs but the average value is used as the result.</a:t>
+            </a:r>
+          </a:p>
+        </p:txBody>
+      </p:sp>
+      <p:cxnSp>
+        <p:nvCxnSpPr>
+          <p:cNvPr id="8" name="Straight Connector 7">
+            <a:extLst>
+              <a:ext uri="{FF2B5EF4-FFF2-40B4-BE49-F238E27FC236}">
+                <a16:creationId xmlns:a16="http://schemas.microsoft.com/office/drawing/2014/main" id="{4E8E7E2B-F123-251A-4D5A-F2C0BAEC811B}"/>
+              </a:ext>
+            </a:extLst>
+          </p:cNvPr>
+          <p:cNvCxnSpPr/>
+          <p:nvPr/>
+        </p:nvCxnSpPr>
+        <p:spPr>
+          <a:xfrm>
+            <a:off x="1020417" y="5115339"/>
+            <a:ext cx="4214192" cy="0"/>
+          </a:xfrm>
+          <a:prstGeom prst="line">
+            <a:avLst/>
+          </a:prstGeom>
+        </p:spPr>
+        <p:style>
+          <a:lnRef idx="1">
+            <a:schemeClr val="accent1"/>
+          </a:lnRef>
+          <a:fillRef idx="0">
+            <a:schemeClr val="accent1"/>
+          </a:fillRef>
+          <a:effectRef idx="0">
+            <a:schemeClr val="accent1"/>
+          </a:effectRef>
+          <a:fontRef idx="minor">
+            <a:schemeClr val="tx1"/>
+          </a:fontRef>
+        </p:style>
+      </p:cxnSp>
+      <p:cxnSp>
+        <p:nvCxnSpPr>
+          <p:cNvPr id="10" name="Straight Connector 9">
+            <a:extLst>
+              <a:ext uri="{FF2B5EF4-FFF2-40B4-BE49-F238E27FC236}">
+                <a16:creationId xmlns:a16="http://schemas.microsoft.com/office/drawing/2014/main" id="{B95192D7-681A-D945-331F-9D9D7DE240A6}"/>
+              </a:ext>
+            </a:extLst>
+          </p:cNvPr>
+          <p:cNvCxnSpPr/>
+          <p:nvPr/>
+        </p:nvCxnSpPr>
+        <p:spPr>
+          <a:xfrm flipV="1">
+            <a:off x="1033670" y="1736035"/>
+            <a:ext cx="0" cy="3379304"/>
+          </a:xfrm>
+          <a:prstGeom prst="line">
+            <a:avLst/>
+          </a:prstGeom>
+        </p:spPr>
+        <p:style>
+          <a:lnRef idx="1">
+            <a:schemeClr val="accent1"/>
+          </a:lnRef>
+          <a:fillRef idx="0">
+            <a:schemeClr val="accent1"/>
+          </a:fillRef>
+          <a:effectRef idx="0">
+            <a:schemeClr val="accent1"/>
+          </a:effectRef>
+          <a:fontRef idx="minor">
+            <a:schemeClr val="tx1"/>
+          </a:fontRef>
+        </p:style>
+      </p:cxnSp>
+      <p:sp>
+        <p:nvSpPr>
+          <p:cNvPr id="11" name="Oval 10">
+            <a:extLst>
+              <a:ext uri="{FF2B5EF4-FFF2-40B4-BE49-F238E27FC236}">
+                <a16:creationId xmlns:a16="http://schemas.microsoft.com/office/drawing/2014/main" id="{405291CB-38FA-D4EF-B29A-E4CB6AF15B47}"/>
+              </a:ext>
+            </a:extLst>
+          </p:cNvPr>
+          <p:cNvSpPr/>
+          <p:nvPr/>
+        </p:nvSpPr>
+        <p:spPr>
+          <a:xfrm>
+            <a:off x="1518202" y="4548504"/>
+            <a:ext cx="278295" cy="278295"/>
+          </a:xfrm>
+          <a:prstGeom prst="ellipse">
+            <a:avLst/>
+          </a:prstGeom>
+        </p:spPr>
+        <p:style>
+          <a:lnRef idx="2">
+            <a:schemeClr val="accent1">
+              <a:shade val="50000"/>
+            </a:schemeClr>
+          </a:lnRef>
+          <a:fillRef idx="1">
+            <a:schemeClr val="accent1"/>
+          </a:fillRef>
+          <a:effectRef idx="0">
+            <a:schemeClr val="accent1"/>
+          </a:effectRef>
+          <a:fontRef idx="minor">
+            <a:schemeClr val="lt1"/>
+          </a:fontRef>
+        </p:style>
+        <p:txBody>
+          <a:bodyPr rtlCol="0" anchor="ctr"/>
+          <a:lstStyle/>
+          <a:p>
+            <a:pPr algn="ctr"/>
+            <a:endParaRPr lang="en-US"/>
+          </a:p>
+        </p:txBody>
+      </p:sp>
+      <p:sp>
+        <p:nvSpPr>
+          <p:cNvPr id="12" name="Oval 11">
+            <a:extLst>
+              <a:ext uri="{FF2B5EF4-FFF2-40B4-BE49-F238E27FC236}">
+                <a16:creationId xmlns:a16="http://schemas.microsoft.com/office/drawing/2014/main" id="{F2A5E825-7F7A-F57C-36F2-608481482DF5}"/>
+              </a:ext>
+            </a:extLst>
+          </p:cNvPr>
+          <p:cNvSpPr/>
+          <p:nvPr/>
+        </p:nvSpPr>
+        <p:spPr>
+          <a:xfrm>
+            <a:off x="1899618" y="3961276"/>
+            <a:ext cx="278295" cy="278295"/>
+          </a:xfrm>
+          <a:prstGeom prst="ellipse">
+            <a:avLst/>
+          </a:prstGeom>
+        </p:spPr>
+        <p:style>
+          <a:lnRef idx="2">
+            <a:schemeClr val="accent1">
+              <a:shade val="50000"/>
+            </a:schemeClr>
+          </a:lnRef>
+          <a:fillRef idx="1">
+            <a:schemeClr val="accent1"/>
+          </a:fillRef>
+          <a:effectRef idx="0">
+            <a:schemeClr val="accent1"/>
+          </a:effectRef>
+          <a:fontRef idx="minor">
+            <a:schemeClr val="lt1"/>
+          </a:fontRef>
+        </p:style>
+        <p:txBody>
+          <a:bodyPr rtlCol="0" anchor="ctr"/>
+          <a:lstStyle/>
+          <a:p>
+            <a:pPr algn="ctr"/>
+            <a:endParaRPr lang="en-US"/>
+          </a:p>
+        </p:txBody>
+      </p:sp>
+      <p:sp>
+        <p:nvSpPr>
+          <p:cNvPr id="13" name="Oval 12">
+            <a:extLst>
+              <a:ext uri="{FF2B5EF4-FFF2-40B4-BE49-F238E27FC236}">
+                <a16:creationId xmlns:a16="http://schemas.microsoft.com/office/drawing/2014/main" id="{25667BE3-E233-4A63-BF60-B0D1EFAFEF8D}"/>
+              </a:ext>
+            </a:extLst>
+          </p:cNvPr>
+          <p:cNvSpPr/>
+          <p:nvPr/>
+        </p:nvSpPr>
+        <p:spPr>
+          <a:xfrm>
+            <a:off x="1501638" y="1930639"/>
+            <a:ext cx="278295" cy="278295"/>
+          </a:xfrm>
+          <a:prstGeom prst="ellipse">
+            <a:avLst/>
+          </a:prstGeom>
+        </p:spPr>
+        <p:style>
+          <a:lnRef idx="2">
+            <a:schemeClr val="accent1">
+              <a:shade val="50000"/>
+            </a:schemeClr>
+          </a:lnRef>
+          <a:fillRef idx="1">
+            <a:schemeClr val="accent1"/>
+          </a:fillRef>
+          <a:effectRef idx="0">
+            <a:schemeClr val="accent1"/>
+          </a:effectRef>
+          <a:fontRef idx="minor">
+            <a:schemeClr val="lt1"/>
+          </a:fontRef>
+        </p:style>
+        <p:txBody>
+          <a:bodyPr rtlCol="0" anchor="ctr"/>
+          <a:lstStyle/>
+          <a:p>
+            <a:pPr algn="ctr"/>
+            <a:endParaRPr lang="en-US"/>
+          </a:p>
+        </p:txBody>
+      </p:sp>
+      <p:sp>
+        <p:nvSpPr>
+          <p:cNvPr id="14" name="Oval 13">
+            <a:extLst>
+              <a:ext uri="{FF2B5EF4-FFF2-40B4-BE49-F238E27FC236}">
+                <a16:creationId xmlns:a16="http://schemas.microsoft.com/office/drawing/2014/main" id="{3189605F-05D6-CFAF-A83F-86C6BDD65D7E}"/>
+              </a:ext>
+            </a:extLst>
+          </p:cNvPr>
+          <p:cNvSpPr/>
+          <p:nvPr/>
+        </p:nvSpPr>
+        <p:spPr>
+          <a:xfrm>
+            <a:off x="4525617" y="2613406"/>
+            <a:ext cx="278295" cy="278295"/>
+          </a:xfrm>
+          <a:prstGeom prst="ellipse">
+            <a:avLst/>
+          </a:prstGeom>
+        </p:spPr>
+        <p:style>
+          <a:lnRef idx="2">
+            <a:schemeClr val="accent1">
+              <a:shade val="50000"/>
+            </a:schemeClr>
+          </a:lnRef>
+          <a:fillRef idx="1">
+            <a:schemeClr val="accent1"/>
+          </a:fillRef>
+          <a:effectRef idx="0">
+            <a:schemeClr val="accent1"/>
+          </a:effectRef>
+          <a:fontRef idx="minor">
+            <a:schemeClr val="lt1"/>
+          </a:fontRef>
+        </p:style>
+        <p:txBody>
+          <a:bodyPr rtlCol="0" anchor="ctr"/>
+          <a:lstStyle/>
+          <a:p>
+            <a:pPr algn="ctr"/>
+            <a:endParaRPr lang="en-US"/>
+          </a:p>
+        </p:txBody>
+      </p:sp>
+      <p:sp>
+        <p:nvSpPr>
+          <p:cNvPr id="15" name="Oval 14">
+            <a:extLst>
+              <a:ext uri="{FF2B5EF4-FFF2-40B4-BE49-F238E27FC236}">
+                <a16:creationId xmlns:a16="http://schemas.microsoft.com/office/drawing/2014/main" id="{85983DAD-C09C-04F2-0297-CD6AA5871FB4}"/>
+              </a:ext>
+            </a:extLst>
+          </p:cNvPr>
+          <p:cNvSpPr/>
+          <p:nvPr/>
+        </p:nvSpPr>
+        <p:spPr>
+          <a:xfrm>
+            <a:off x="4147931" y="2308987"/>
+            <a:ext cx="278295" cy="278295"/>
+          </a:xfrm>
+          <a:prstGeom prst="ellipse">
+            <a:avLst/>
+          </a:prstGeom>
+        </p:spPr>
+        <p:style>
+          <a:lnRef idx="2">
+            <a:schemeClr val="accent1">
+              <a:shade val="50000"/>
+            </a:schemeClr>
+          </a:lnRef>
+          <a:fillRef idx="1">
+            <a:schemeClr val="accent1"/>
+          </a:fillRef>
+          <a:effectRef idx="0">
+            <a:schemeClr val="accent1"/>
+          </a:effectRef>
+          <a:fontRef idx="minor">
+            <a:schemeClr val="lt1"/>
+          </a:fontRef>
+        </p:style>
+        <p:txBody>
+          <a:bodyPr rtlCol="0" anchor="ctr"/>
+          <a:lstStyle/>
+          <a:p>
+            <a:pPr algn="ctr"/>
+            <a:endParaRPr lang="en-US"/>
+          </a:p>
+        </p:txBody>
+      </p:sp>
+      <p:sp>
+        <p:nvSpPr>
+          <p:cNvPr id="16" name="Oval 15">
+            <a:extLst>
+              <a:ext uri="{FF2B5EF4-FFF2-40B4-BE49-F238E27FC236}">
+                <a16:creationId xmlns:a16="http://schemas.microsoft.com/office/drawing/2014/main" id="{4D460792-E723-7309-8234-B9A554CC2E44}"/>
+              </a:ext>
+            </a:extLst>
+          </p:cNvPr>
+          <p:cNvSpPr/>
+          <p:nvPr/>
+        </p:nvSpPr>
+        <p:spPr>
+          <a:xfrm>
+            <a:off x="3187148" y="3672457"/>
+            <a:ext cx="278295" cy="278295"/>
+          </a:xfrm>
+          <a:prstGeom prst="ellipse">
+            <a:avLst/>
+          </a:prstGeom>
+        </p:spPr>
+        <p:style>
+          <a:lnRef idx="2">
+            <a:schemeClr val="accent1">
+              <a:shade val="50000"/>
+            </a:schemeClr>
+          </a:lnRef>
+          <a:fillRef idx="1">
+            <a:schemeClr val="accent1"/>
+          </a:fillRef>
+          <a:effectRef idx="0">
+            <a:schemeClr val="accent1"/>
+          </a:effectRef>
+          <a:fontRef idx="minor">
+            <a:schemeClr val="lt1"/>
+          </a:fontRef>
+        </p:style>
+        <p:txBody>
+          <a:bodyPr rtlCol="0" anchor="ctr"/>
+          <a:lstStyle/>
+          <a:p>
+            <a:pPr algn="ctr"/>
+            <a:endParaRPr lang="en-US"/>
+          </a:p>
+        </p:txBody>
+      </p:sp>
+      <p:sp>
+        <p:nvSpPr>
+          <p:cNvPr id="17" name="Oval 16">
+            <a:extLst>
+              <a:ext uri="{FF2B5EF4-FFF2-40B4-BE49-F238E27FC236}">
+                <a16:creationId xmlns:a16="http://schemas.microsoft.com/office/drawing/2014/main" id="{80557EC4-55AA-981B-ABE4-8CF23E022AC5}"/>
+              </a:ext>
+            </a:extLst>
+          </p:cNvPr>
+          <p:cNvSpPr/>
+          <p:nvPr/>
+        </p:nvSpPr>
+        <p:spPr>
+          <a:xfrm>
+            <a:off x="4572000" y="3400788"/>
+            <a:ext cx="278295" cy="278295"/>
+          </a:xfrm>
+          <a:prstGeom prst="ellipse">
+            <a:avLst/>
+          </a:prstGeom>
+        </p:spPr>
+        <p:style>
+          <a:lnRef idx="2">
+            <a:schemeClr val="accent1">
+              <a:shade val="50000"/>
+            </a:schemeClr>
+          </a:lnRef>
+          <a:fillRef idx="1">
+            <a:schemeClr val="accent1"/>
+          </a:fillRef>
+          <a:effectRef idx="0">
+            <a:schemeClr val="accent1"/>
+          </a:effectRef>
+          <a:fontRef idx="minor">
+            <a:schemeClr val="lt1"/>
+          </a:fontRef>
+        </p:style>
+        <p:txBody>
+          <a:bodyPr rtlCol="0" anchor="ctr"/>
+          <a:lstStyle/>
+          <a:p>
+            <a:pPr algn="ctr"/>
+            <a:endParaRPr lang="en-US"/>
+          </a:p>
+        </p:txBody>
+      </p:sp>
+      <p:sp>
+        <p:nvSpPr>
+          <p:cNvPr id="18" name="TextBox 17">
+            <a:extLst>
+              <a:ext uri="{FF2B5EF4-FFF2-40B4-BE49-F238E27FC236}">
+                <a16:creationId xmlns:a16="http://schemas.microsoft.com/office/drawing/2014/main" id="{43659AEC-28C6-8041-DEB2-3F0BD07A63A9}"/>
+              </a:ext>
+            </a:extLst>
+          </p:cNvPr>
+          <p:cNvSpPr txBox="1"/>
+          <p:nvPr/>
+        </p:nvSpPr>
+        <p:spPr>
+          <a:xfrm>
+            <a:off x="1863600" y="5189772"/>
+            <a:ext cx="3073662" cy="369332"/>
+          </a:xfrm>
+          <a:prstGeom prst="rect">
+            <a:avLst/>
+          </a:prstGeom>
+          <a:noFill/>
+        </p:spPr>
+        <p:txBody>
+          <a:bodyPr wrap="none" rtlCol="0">
+            <a:spAutoFit/>
+          </a:bodyPr>
+          <a:lstStyle/>
+          <a:p>
+            <a:r>
+              <a:rPr lang="en-US" dirty="0"/>
+              <a:t>Days with the bank [x-variable]</a:t>
+            </a:r>
+          </a:p>
+        </p:txBody>
+      </p:sp>
+      <p:sp>
+        <p:nvSpPr>
+          <p:cNvPr id="19" name="TextBox 18">
+            <a:extLst>
+              <a:ext uri="{FF2B5EF4-FFF2-40B4-BE49-F238E27FC236}">
+                <a16:creationId xmlns:a16="http://schemas.microsoft.com/office/drawing/2014/main" id="{7BDA3EE1-36FF-6DEF-40F3-1502D0802D33}"/>
+              </a:ext>
+            </a:extLst>
+          </p:cNvPr>
+          <p:cNvSpPr txBox="1"/>
+          <p:nvPr/>
+        </p:nvSpPr>
+        <p:spPr>
+          <a:xfrm rot="16200000">
+            <a:off x="-669039" y="3317818"/>
+            <a:ext cx="2725490" cy="646331"/>
+          </a:xfrm>
+          <a:prstGeom prst="rect">
+            <a:avLst/>
+          </a:prstGeom>
+          <a:noFill/>
+        </p:spPr>
+        <p:txBody>
+          <a:bodyPr wrap="none" rtlCol="0">
+            <a:spAutoFit/>
+          </a:bodyPr>
+          <a:lstStyle/>
+          <a:p>
+            <a:pPr algn="ctr"/>
+            <a:r>
+              <a:rPr lang="en-US" dirty="0"/>
+              <a:t>Avg Monthly Bank Balance </a:t>
+            </a:r>
+          </a:p>
+          <a:p>
+            <a:pPr algn="ctr"/>
+            <a:r>
+              <a:rPr lang="en-US" dirty="0"/>
+              <a:t>[continuous y-variable]</a:t>
+            </a:r>
+          </a:p>
+        </p:txBody>
+      </p:sp>
+    </p:spTree>
+    <p:extLst>
+      <p:ext uri="{BB962C8B-B14F-4D97-AF65-F5344CB8AC3E}">
+        <p14:creationId xmlns:p14="http://schemas.microsoft.com/office/powerpoint/2010/main" val="1858306488"/>
+      </p:ext>
+    </p:extLst>
+  </p:cSld>
+  <p:clrMapOvr>
+    <a:masterClrMapping/>
+  </p:clrMapOvr>
+</p:sld>
+</file>
+
+<file path=ppt/slides/slide34.xml><?xml version="1.0" encoding="utf-8"?>
+<p:sld xmlns:a="http://schemas.openxmlformats.org/drawingml/2006/main" xmlns:r="http://schemas.openxmlformats.org/officeDocument/2006/relationships" xmlns:p="http://schemas.openxmlformats.org/presentationml/2006/main">
+  <p:cSld>
+    <p:spTree>
+      <p:nvGrpSpPr>
+        <p:cNvPr id="1" name=""/>
+        <p:cNvGrpSpPr/>
+        <p:nvPr/>
+      </p:nvGrpSpPr>
+      <p:grpSpPr>
+        <a:xfrm>
+          <a:off x="0" y="0"/>
+          <a:ext cx="0" cy="0"/>
+          <a:chOff x="0" y="0"/>
+          <a:chExt cx="0" cy="0"/>
+        </a:xfrm>
+      </p:grpSpPr>
+      <p:sp>
+        <p:nvSpPr>
+          <p:cNvPr id="2" name="Date Placeholder 1">
+            <a:extLst>
+              <a:ext uri="{FF2B5EF4-FFF2-40B4-BE49-F238E27FC236}">
+                <a16:creationId xmlns:a16="http://schemas.microsoft.com/office/drawing/2014/main" id="{8C354900-0A49-37C8-8579-D0B71DA344C4}"/>
+              </a:ext>
+            </a:extLst>
+          </p:cNvPr>
+          <p:cNvSpPr>
+            <a:spLocks noGrp="1"/>
+          </p:cNvSpPr>
+          <p:nvPr>
+            <p:ph type="dt" sz="half" idx="10"/>
+          </p:nvPr>
+        </p:nvSpPr>
+        <p:spPr/>
+        <p:txBody>
+          <a:bodyPr/>
+          <a:lstStyle/>
+          <a:p>
+            <a:fld id="{6700A58B-DD98-43D0-B791-721480A02982}" type="datetime1">
+              <a:rPr lang="en-US" smtClean="0"/>
+              <a:t>5/17/23</a:t>
+            </a:fld>
+            <a:endParaRPr lang="en-US"/>
+          </a:p>
+        </p:txBody>
+      </p:sp>
+      <p:sp>
+        <p:nvSpPr>
+          <p:cNvPr id="3" name="Title 2">
+            <a:extLst>
+              <a:ext uri="{FF2B5EF4-FFF2-40B4-BE49-F238E27FC236}">
+                <a16:creationId xmlns:a16="http://schemas.microsoft.com/office/drawing/2014/main" id="{208DE6D3-C8B6-7AA5-BA0A-C6E82F68B100}"/>
+              </a:ext>
+            </a:extLst>
+          </p:cNvPr>
+          <p:cNvSpPr>
+            <a:spLocks noGrp="1"/>
+          </p:cNvSpPr>
+          <p:nvPr>
+            <p:ph type="title"/>
+          </p:nvPr>
+        </p:nvSpPr>
+        <p:spPr>
+          <a:xfrm>
+            <a:off x="185530" y="365126"/>
+            <a:ext cx="8958470" cy="591477"/>
+          </a:xfrm>
+        </p:spPr>
+        <p:txBody>
+          <a:bodyPr/>
+          <a:lstStyle/>
+          <a:p>
+            <a:r>
+              <a:rPr lang="en-US" dirty="0"/>
+              <a:t>What about for continuous [regression] problems?</a:t>
+            </a:r>
+          </a:p>
+        </p:txBody>
+      </p:sp>
+      <p:sp>
+        <p:nvSpPr>
+          <p:cNvPr id="4" name="Slide Number Placeholder 3">
+            <a:extLst>
+              <a:ext uri="{FF2B5EF4-FFF2-40B4-BE49-F238E27FC236}">
+                <a16:creationId xmlns:a16="http://schemas.microsoft.com/office/drawing/2014/main" id="{94815807-2EFC-ED05-4B16-0EB7AAD20E5C}"/>
+              </a:ext>
+            </a:extLst>
+          </p:cNvPr>
+          <p:cNvSpPr>
+            <a:spLocks noGrp="1"/>
+          </p:cNvSpPr>
+          <p:nvPr>
+            <p:ph type="sldNum" sz="quarter" idx="12"/>
+          </p:nvPr>
+        </p:nvSpPr>
+        <p:spPr/>
+        <p:txBody>
+          <a:bodyPr/>
+          <a:lstStyle/>
+          <a:p>
+            <a:fld id="{37290FF7-652B-4475-AEAB-8B1A5D23AE09}" type="slidenum">
+              <a:rPr lang="en-US" smtClean="0"/>
+              <a:t>34</a:t>
+            </a:fld>
+            <a:endParaRPr lang="en-US"/>
+          </a:p>
+        </p:txBody>
+      </p:sp>
+      <p:sp>
+        <p:nvSpPr>
+          <p:cNvPr id="5" name="Footer Placeholder 4">
+            <a:extLst>
+              <a:ext uri="{FF2B5EF4-FFF2-40B4-BE49-F238E27FC236}">
+                <a16:creationId xmlns:a16="http://schemas.microsoft.com/office/drawing/2014/main" id="{C3D51310-7C16-B9F7-50CF-B88314FA1DC1}"/>
+              </a:ext>
+            </a:extLst>
+          </p:cNvPr>
+          <p:cNvSpPr>
+            <a:spLocks noGrp="1"/>
+          </p:cNvSpPr>
+          <p:nvPr>
+            <p:ph type="ftr" sz="quarter" idx="3"/>
+          </p:nvPr>
+        </p:nvSpPr>
+        <p:spPr/>
+        <p:txBody>
+          <a:bodyPr/>
+          <a:lstStyle/>
+          <a:p>
+            <a:r>
+              <a:rPr lang="en-US"/>
+              <a:t>Kwartler</a:t>
+            </a:r>
+            <a:endParaRPr lang="en-US" dirty="0"/>
+          </a:p>
+        </p:txBody>
+      </p:sp>
+      <p:sp>
+        <p:nvSpPr>
+          <p:cNvPr id="6" name="TextBox 5">
+            <a:extLst>
+              <a:ext uri="{FF2B5EF4-FFF2-40B4-BE49-F238E27FC236}">
+                <a16:creationId xmlns:a16="http://schemas.microsoft.com/office/drawing/2014/main" id="{C3B0DF1F-3689-C0E7-FBE0-D92B72F3A8C3}"/>
+              </a:ext>
+            </a:extLst>
+          </p:cNvPr>
+          <p:cNvSpPr txBox="1"/>
+          <p:nvPr/>
+        </p:nvSpPr>
+        <p:spPr>
+          <a:xfrm>
+            <a:off x="6617875" y="1940305"/>
+            <a:ext cx="2486601" cy="2031325"/>
+          </a:xfrm>
+          <a:prstGeom prst="rect">
+            <a:avLst/>
+          </a:prstGeom>
+          <a:noFill/>
+        </p:spPr>
+        <p:txBody>
+          <a:bodyPr wrap="square" rtlCol="0">
+            <a:spAutoFit/>
+          </a:bodyPr>
+          <a:lstStyle/>
+          <a:p>
+            <a:r>
+              <a:rPr lang="en-US" dirty="0"/>
+              <a:t>This cohort would average $1000 so any record that end up with more than 365 days in this cohort would be assigned a $1000 outcome.</a:t>
+            </a:r>
+          </a:p>
+        </p:txBody>
+      </p:sp>
+      <p:cxnSp>
+        <p:nvCxnSpPr>
+          <p:cNvPr id="8" name="Straight Connector 7">
+            <a:extLst>
+              <a:ext uri="{FF2B5EF4-FFF2-40B4-BE49-F238E27FC236}">
+                <a16:creationId xmlns:a16="http://schemas.microsoft.com/office/drawing/2014/main" id="{4E8E7E2B-F123-251A-4D5A-F2C0BAEC811B}"/>
+              </a:ext>
+            </a:extLst>
+          </p:cNvPr>
+          <p:cNvCxnSpPr/>
+          <p:nvPr/>
+        </p:nvCxnSpPr>
+        <p:spPr>
+          <a:xfrm>
+            <a:off x="1020417" y="5115339"/>
+            <a:ext cx="4214192" cy="0"/>
+          </a:xfrm>
+          <a:prstGeom prst="line">
+            <a:avLst/>
+          </a:prstGeom>
+        </p:spPr>
+        <p:style>
+          <a:lnRef idx="1">
+            <a:schemeClr val="accent1"/>
+          </a:lnRef>
+          <a:fillRef idx="0">
+            <a:schemeClr val="accent1"/>
+          </a:fillRef>
+          <a:effectRef idx="0">
+            <a:schemeClr val="accent1"/>
+          </a:effectRef>
+          <a:fontRef idx="minor">
+            <a:schemeClr val="tx1"/>
+          </a:fontRef>
+        </p:style>
+      </p:cxnSp>
+      <p:cxnSp>
+        <p:nvCxnSpPr>
+          <p:cNvPr id="10" name="Straight Connector 9">
+            <a:extLst>
+              <a:ext uri="{FF2B5EF4-FFF2-40B4-BE49-F238E27FC236}">
+                <a16:creationId xmlns:a16="http://schemas.microsoft.com/office/drawing/2014/main" id="{B95192D7-681A-D945-331F-9D9D7DE240A6}"/>
+              </a:ext>
+            </a:extLst>
+          </p:cNvPr>
+          <p:cNvCxnSpPr/>
+          <p:nvPr/>
+        </p:nvCxnSpPr>
+        <p:spPr>
+          <a:xfrm flipV="1">
+            <a:off x="1033670" y="1736035"/>
+            <a:ext cx="0" cy="3379304"/>
+          </a:xfrm>
+          <a:prstGeom prst="line">
+            <a:avLst/>
+          </a:prstGeom>
+        </p:spPr>
+        <p:style>
+          <a:lnRef idx="1">
+            <a:schemeClr val="accent1"/>
+          </a:lnRef>
+          <a:fillRef idx="0">
+            <a:schemeClr val="accent1"/>
+          </a:fillRef>
+          <a:effectRef idx="0">
+            <a:schemeClr val="accent1"/>
+          </a:effectRef>
+          <a:fontRef idx="minor">
+            <a:schemeClr val="tx1"/>
+          </a:fontRef>
+        </p:style>
+      </p:cxnSp>
+      <p:sp>
+        <p:nvSpPr>
+          <p:cNvPr id="11" name="Oval 10">
+            <a:extLst>
+              <a:ext uri="{FF2B5EF4-FFF2-40B4-BE49-F238E27FC236}">
+                <a16:creationId xmlns:a16="http://schemas.microsoft.com/office/drawing/2014/main" id="{405291CB-38FA-D4EF-B29A-E4CB6AF15B47}"/>
+              </a:ext>
+            </a:extLst>
+          </p:cNvPr>
+          <p:cNvSpPr/>
+          <p:nvPr/>
+        </p:nvSpPr>
+        <p:spPr>
+          <a:xfrm>
+            <a:off x="1518202" y="4548504"/>
+            <a:ext cx="278295" cy="278295"/>
+          </a:xfrm>
+          <a:prstGeom prst="ellipse">
+            <a:avLst/>
+          </a:prstGeom>
+        </p:spPr>
+        <p:style>
+          <a:lnRef idx="2">
+            <a:schemeClr val="accent1">
+              <a:shade val="50000"/>
+            </a:schemeClr>
+          </a:lnRef>
+          <a:fillRef idx="1">
+            <a:schemeClr val="accent1"/>
+          </a:fillRef>
+          <a:effectRef idx="0">
+            <a:schemeClr val="accent1"/>
+          </a:effectRef>
+          <a:fontRef idx="minor">
+            <a:schemeClr val="lt1"/>
+          </a:fontRef>
+        </p:style>
+        <p:txBody>
+          <a:bodyPr rtlCol="0" anchor="ctr"/>
+          <a:lstStyle/>
+          <a:p>
+            <a:pPr algn="ctr"/>
+            <a:endParaRPr lang="en-US"/>
+          </a:p>
+        </p:txBody>
+      </p:sp>
+      <p:sp>
+        <p:nvSpPr>
+          <p:cNvPr id="12" name="Oval 11">
+            <a:extLst>
+              <a:ext uri="{FF2B5EF4-FFF2-40B4-BE49-F238E27FC236}">
+                <a16:creationId xmlns:a16="http://schemas.microsoft.com/office/drawing/2014/main" id="{F2A5E825-7F7A-F57C-36F2-608481482DF5}"/>
+              </a:ext>
+            </a:extLst>
+          </p:cNvPr>
+          <p:cNvSpPr/>
+          <p:nvPr/>
+        </p:nvSpPr>
+        <p:spPr>
+          <a:xfrm>
+            <a:off x="1899618" y="3961276"/>
+            <a:ext cx="278295" cy="278295"/>
+          </a:xfrm>
+          <a:prstGeom prst="ellipse">
+            <a:avLst/>
+          </a:prstGeom>
+        </p:spPr>
+        <p:style>
+          <a:lnRef idx="2">
+            <a:schemeClr val="accent1">
+              <a:shade val="50000"/>
+            </a:schemeClr>
+          </a:lnRef>
+          <a:fillRef idx="1">
+            <a:schemeClr val="accent1"/>
+          </a:fillRef>
+          <a:effectRef idx="0">
+            <a:schemeClr val="accent1"/>
+          </a:effectRef>
+          <a:fontRef idx="minor">
+            <a:schemeClr val="lt1"/>
+          </a:fontRef>
+        </p:style>
+        <p:txBody>
+          <a:bodyPr rtlCol="0" anchor="ctr"/>
+          <a:lstStyle/>
+          <a:p>
+            <a:pPr algn="ctr"/>
+            <a:endParaRPr lang="en-US"/>
+          </a:p>
+        </p:txBody>
+      </p:sp>
+      <p:sp>
+        <p:nvSpPr>
+          <p:cNvPr id="13" name="Oval 12">
+            <a:extLst>
+              <a:ext uri="{FF2B5EF4-FFF2-40B4-BE49-F238E27FC236}">
+                <a16:creationId xmlns:a16="http://schemas.microsoft.com/office/drawing/2014/main" id="{25667BE3-E233-4A63-BF60-B0D1EFAFEF8D}"/>
+              </a:ext>
+            </a:extLst>
+          </p:cNvPr>
+          <p:cNvSpPr/>
+          <p:nvPr/>
+        </p:nvSpPr>
+        <p:spPr>
+          <a:xfrm>
+            <a:off x="1501638" y="1930639"/>
+            <a:ext cx="278295" cy="278295"/>
+          </a:xfrm>
+          <a:prstGeom prst="ellipse">
+            <a:avLst/>
+          </a:prstGeom>
+        </p:spPr>
+        <p:style>
+          <a:lnRef idx="2">
+            <a:schemeClr val="accent1">
+              <a:shade val="50000"/>
+            </a:schemeClr>
+          </a:lnRef>
+          <a:fillRef idx="1">
+            <a:schemeClr val="accent1"/>
+          </a:fillRef>
+          <a:effectRef idx="0">
+            <a:schemeClr val="accent1"/>
+          </a:effectRef>
+          <a:fontRef idx="minor">
+            <a:schemeClr val="lt1"/>
+          </a:fontRef>
+        </p:style>
+        <p:txBody>
+          <a:bodyPr rtlCol="0" anchor="ctr"/>
+          <a:lstStyle/>
+          <a:p>
+            <a:pPr algn="ctr"/>
+            <a:endParaRPr lang="en-US"/>
+          </a:p>
+        </p:txBody>
+      </p:sp>
+      <p:sp>
+        <p:nvSpPr>
+          <p:cNvPr id="14" name="Oval 13">
+            <a:extLst>
+              <a:ext uri="{FF2B5EF4-FFF2-40B4-BE49-F238E27FC236}">
+                <a16:creationId xmlns:a16="http://schemas.microsoft.com/office/drawing/2014/main" id="{3189605F-05D6-CFAF-A83F-86C6BDD65D7E}"/>
+              </a:ext>
+            </a:extLst>
+          </p:cNvPr>
+          <p:cNvSpPr/>
+          <p:nvPr/>
+        </p:nvSpPr>
+        <p:spPr>
+          <a:xfrm>
+            <a:off x="4525617" y="2613406"/>
+            <a:ext cx="278295" cy="278295"/>
+          </a:xfrm>
+          <a:prstGeom prst="ellipse">
+            <a:avLst/>
+          </a:prstGeom>
+        </p:spPr>
+        <p:style>
+          <a:lnRef idx="2">
+            <a:schemeClr val="accent1">
+              <a:shade val="50000"/>
+            </a:schemeClr>
+          </a:lnRef>
+          <a:fillRef idx="1">
+            <a:schemeClr val="accent1"/>
+          </a:fillRef>
+          <a:effectRef idx="0">
+            <a:schemeClr val="accent1"/>
+          </a:effectRef>
+          <a:fontRef idx="minor">
+            <a:schemeClr val="lt1"/>
+          </a:fontRef>
+        </p:style>
+        <p:txBody>
+          <a:bodyPr rtlCol="0" anchor="ctr"/>
+          <a:lstStyle/>
+          <a:p>
+            <a:pPr algn="ctr"/>
+            <a:endParaRPr lang="en-US"/>
+          </a:p>
+        </p:txBody>
+      </p:sp>
+      <p:sp>
+        <p:nvSpPr>
+          <p:cNvPr id="15" name="Oval 14">
+            <a:extLst>
+              <a:ext uri="{FF2B5EF4-FFF2-40B4-BE49-F238E27FC236}">
+                <a16:creationId xmlns:a16="http://schemas.microsoft.com/office/drawing/2014/main" id="{85983DAD-C09C-04F2-0297-CD6AA5871FB4}"/>
+              </a:ext>
+            </a:extLst>
+          </p:cNvPr>
+          <p:cNvSpPr/>
+          <p:nvPr/>
+        </p:nvSpPr>
+        <p:spPr>
+          <a:xfrm>
+            <a:off x="4147931" y="2308987"/>
+            <a:ext cx="278295" cy="278295"/>
+          </a:xfrm>
+          <a:prstGeom prst="ellipse">
+            <a:avLst/>
+          </a:prstGeom>
+        </p:spPr>
+        <p:style>
+          <a:lnRef idx="2">
+            <a:schemeClr val="accent1">
+              <a:shade val="50000"/>
+            </a:schemeClr>
+          </a:lnRef>
+          <a:fillRef idx="1">
+            <a:schemeClr val="accent1"/>
+          </a:fillRef>
+          <a:effectRef idx="0">
+            <a:schemeClr val="accent1"/>
+          </a:effectRef>
+          <a:fontRef idx="minor">
+            <a:schemeClr val="lt1"/>
+          </a:fontRef>
+        </p:style>
+        <p:txBody>
+          <a:bodyPr rtlCol="0" anchor="ctr"/>
+          <a:lstStyle/>
+          <a:p>
+            <a:pPr algn="ctr"/>
+            <a:endParaRPr lang="en-US"/>
+          </a:p>
+        </p:txBody>
+      </p:sp>
+      <p:sp>
+        <p:nvSpPr>
+          <p:cNvPr id="16" name="Oval 15">
+            <a:extLst>
+              <a:ext uri="{FF2B5EF4-FFF2-40B4-BE49-F238E27FC236}">
+                <a16:creationId xmlns:a16="http://schemas.microsoft.com/office/drawing/2014/main" id="{4D460792-E723-7309-8234-B9A554CC2E44}"/>
+              </a:ext>
+            </a:extLst>
+          </p:cNvPr>
+          <p:cNvSpPr/>
+          <p:nvPr/>
+        </p:nvSpPr>
+        <p:spPr>
+          <a:xfrm>
+            <a:off x="3187148" y="3950751"/>
+            <a:ext cx="278295" cy="278295"/>
+          </a:xfrm>
+          <a:prstGeom prst="ellipse">
+            <a:avLst/>
+          </a:prstGeom>
+        </p:spPr>
+        <p:style>
+          <a:lnRef idx="2">
+            <a:schemeClr val="accent1">
+              <a:shade val="50000"/>
+            </a:schemeClr>
+          </a:lnRef>
+          <a:fillRef idx="1">
+            <a:schemeClr val="accent1"/>
+          </a:fillRef>
+          <a:effectRef idx="0">
+            <a:schemeClr val="accent1"/>
+          </a:effectRef>
+          <a:fontRef idx="minor">
+            <a:schemeClr val="lt1"/>
+          </a:fontRef>
+        </p:style>
+        <p:txBody>
+          <a:bodyPr rtlCol="0" anchor="ctr"/>
+          <a:lstStyle/>
+          <a:p>
+            <a:pPr algn="ctr"/>
+            <a:endParaRPr lang="en-US"/>
+          </a:p>
+        </p:txBody>
+      </p:sp>
+      <p:sp>
+        <p:nvSpPr>
+          <p:cNvPr id="17" name="Oval 16">
+            <a:extLst>
+              <a:ext uri="{FF2B5EF4-FFF2-40B4-BE49-F238E27FC236}">
+                <a16:creationId xmlns:a16="http://schemas.microsoft.com/office/drawing/2014/main" id="{80557EC4-55AA-981B-ABE4-8CF23E022AC5}"/>
+              </a:ext>
+            </a:extLst>
+          </p:cNvPr>
+          <p:cNvSpPr/>
+          <p:nvPr/>
+        </p:nvSpPr>
+        <p:spPr>
+          <a:xfrm>
+            <a:off x="4572000" y="3639324"/>
+            <a:ext cx="278295" cy="278295"/>
+          </a:xfrm>
+          <a:prstGeom prst="ellipse">
+            <a:avLst/>
+          </a:prstGeom>
+        </p:spPr>
+        <p:style>
+          <a:lnRef idx="2">
+            <a:schemeClr val="accent1">
+              <a:shade val="50000"/>
+            </a:schemeClr>
+          </a:lnRef>
+          <a:fillRef idx="1">
+            <a:schemeClr val="accent1"/>
+          </a:fillRef>
+          <a:effectRef idx="0">
+            <a:schemeClr val="accent1"/>
+          </a:effectRef>
+          <a:fontRef idx="minor">
+            <a:schemeClr val="lt1"/>
+          </a:fontRef>
+        </p:style>
+        <p:txBody>
+          <a:bodyPr rtlCol="0" anchor="ctr"/>
+          <a:lstStyle/>
+          <a:p>
+            <a:pPr algn="ctr"/>
+            <a:endParaRPr lang="en-US"/>
+          </a:p>
+        </p:txBody>
+      </p:sp>
+      <p:sp>
+        <p:nvSpPr>
+          <p:cNvPr id="18" name="TextBox 17">
+            <a:extLst>
+              <a:ext uri="{FF2B5EF4-FFF2-40B4-BE49-F238E27FC236}">
+                <a16:creationId xmlns:a16="http://schemas.microsoft.com/office/drawing/2014/main" id="{43659AEC-28C6-8041-DEB2-3F0BD07A63A9}"/>
+              </a:ext>
+            </a:extLst>
+          </p:cNvPr>
+          <p:cNvSpPr txBox="1"/>
+          <p:nvPr/>
+        </p:nvSpPr>
+        <p:spPr>
+          <a:xfrm>
+            <a:off x="1863600" y="5189772"/>
+            <a:ext cx="3073662" cy="369332"/>
+          </a:xfrm>
+          <a:prstGeom prst="rect">
+            <a:avLst/>
+          </a:prstGeom>
+          <a:noFill/>
+        </p:spPr>
+        <p:txBody>
+          <a:bodyPr wrap="none" rtlCol="0">
+            <a:spAutoFit/>
+          </a:bodyPr>
+          <a:lstStyle/>
+          <a:p>
+            <a:r>
+              <a:rPr lang="en-US" dirty="0"/>
+              <a:t>Days with the bank [x-variable]</a:t>
+            </a:r>
+          </a:p>
+        </p:txBody>
+      </p:sp>
+      <p:sp>
+        <p:nvSpPr>
+          <p:cNvPr id="19" name="TextBox 18">
+            <a:extLst>
+              <a:ext uri="{FF2B5EF4-FFF2-40B4-BE49-F238E27FC236}">
+                <a16:creationId xmlns:a16="http://schemas.microsoft.com/office/drawing/2014/main" id="{7BDA3EE1-36FF-6DEF-40F3-1502D0802D33}"/>
+              </a:ext>
+            </a:extLst>
+          </p:cNvPr>
+          <p:cNvSpPr txBox="1"/>
+          <p:nvPr/>
+        </p:nvSpPr>
+        <p:spPr>
+          <a:xfrm rot="16200000">
+            <a:off x="-669039" y="3317818"/>
+            <a:ext cx="2725490" cy="646331"/>
+          </a:xfrm>
+          <a:prstGeom prst="rect">
+            <a:avLst/>
+          </a:prstGeom>
+          <a:noFill/>
+        </p:spPr>
+        <p:txBody>
+          <a:bodyPr wrap="none" rtlCol="0">
+            <a:spAutoFit/>
+          </a:bodyPr>
+          <a:lstStyle/>
+          <a:p>
+            <a:pPr algn="ctr"/>
+            <a:r>
+              <a:rPr lang="en-US" dirty="0"/>
+              <a:t>Avg Monthly Bank Balance </a:t>
+            </a:r>
+          </a:p>
+          <a:p>
+            <a:pPr algn="ctr"/>
+            <a:r>
+              <a:rPr lang="en-US" dirty="0"/>
+              <a:t>[continuous y-variable]</a:t>
+            </a:r>
+          </a:p>
+        </p:txBody>
+      </p:sp>
+      <p:cxnSp>
+        <p:nvCxnSpPr>
+          <p:cNvPr id="9" name="Straight Connector 8">
+            <a:extLst>
+              <a:ext uri="{FF2B5EF4-FFF2-40B4-BE49-F238E27FC236}">
+                <a16:creationId xmlns:a16="http://schemas.microsoft.com/office/drawing/2014/main" id="{CADFFA7B-C494-B194-F8C9-EDD41D07F8DA}"/>
+              </a:ext>
+            </a:extLst>
+          </p:cNvPr>
+          <p:cNvCxnSpPr/>
+          <p:nvPr/>
+        </p:nvCxnSpPr>
+        <p:spPr>
+          <a:xfrm flipV="1">
+            <a:off x="3909391" y="1828799"/>
+            <a:ext cx="0" cy="3267694"/>
+          </a:xfrm>
+          <a:prstGeom prst="line">
+            <a:avLst/>
+          </a:prstGeom>
+          <a:ln>
+            <a:solidFill>
+              <a:schemeClr val="accent6"/>
+            </a:solidFill>
+            <a:prstDash val="dash"/>
+          </a:ln>
+        </p:spPr>
+        <p:style>
+          <a:lnRef idx="1">
+            <a:schemeClr val="accent1"/>
+          </a:lnRef>
+          <a:fillRef idx="0">
+            <a:schemeClr val="accent1"/>
+          </a:fillRef>
+          <a:effectRef idx="0">
+            <a:schemeClr val="accent1"/>
+          </a:effectRef>
+          <a:fontRef idx="minor">
+            <a:schemeClr val="tx1"/>
+          </a:fontRef>
+        </p:style>
+      </p:cxnSp>
+      <p:sp>
+        <p:nvSpPr>
+          <p:cNvPr id="20" name="TextBox 19">
+            <a:extLst>
+              <a:ext uri="{FF2B5EF4-FFF2-40B4-BE49-F238E27FC236}">
+                <a16:creationId xmlns:a16="http://schemas.microsoft.com/office/drawing/2014/main" id="{D328E38A-49B0-2670-33B1-9075A66AF4BD}"/>
+              </a:ext>
+            </a:extLst>
+          </p:cNvPr>
+          <p:cNvSpPr txBox="1"/>
+          <p:nvPr/>
+        </p:nvSpPr>
+        <p:spPr>
+          <a:xfrm>
+            <a:off x="4523923" y="2174197"/>
+            <a:ext cx="769763" cy="369332"/>
+          </a:xfrm>
+          <a:prstGeom prst="rect">
+            <a:avLst/>
+          </a:prstGeom>
+          <a:noFill/>
+        </p:spPr>
+        <p:txBody>
+          <a:bodyPr wrap="none" rtlCol="0">
+            <a:spAutoFit/>
+          </a:bodyPr>
+          <a:lstStyle/>
+          <a:p>
+            <a:r>
+              <a:rPr lang="en-US" dirty="0"/>
+              <a:t>$1500</a:t>
+            </a:r>
+          </a:p>
+        </p:txBody>
+      </p:sp>
+      <p:sp>
+        <p:nvSpPr>
+          <p:cNvPr id="21" name="TextBox 20">
+            <a:extLst>
+              <a:ext uri="{FF2B5EF4-FFF2-40B4-BE49-F238E27FC236}">
+                <a16:creationId xmlns:a16="http://schemas.microsoft.com/office/drawing/2014/main" id="{78CAB78A-529C-F07D-AD3A-414C8566F692}"/>
+              </a:ext>
+            </a:extLst>
+          </p:cNvPr>
+          <p:cNvSpPr txBox="1"/>
+          <p:nvPr/>
+        </p:nvSpPr>
+        <p:spPr>
+          <a:xfrm>
+            <a:off x="4793667" y="2586636"/>
+            <a:ext cx="769763" cy="369332"/>
+          </a:xfrm>
+          <a:prstGeom prst="rect">
+            <a:avLst/>
+          </a:prstGeom>
+          <a:noFill/>
+        </p:spPr>
+        <p:txBody>
+          <a:bodyPr wrap="none" rtlCol="0">
+            <a:spAutoFit/>
+          </a:bodyPr>
+          <a:lstStyle/>
+          <a:p>
+            <a:r>
+              <a:rPr lang="en-US" dirty="0"/>
+              <a:t>$1000</a:t>
+            </a:r>
+          </a:p>
+        </p:txBody>
+      </p:sp>
+      <p:sp>
+        <p:nvSpPr>
+          <p:cNvPr id="22" name="TextBox 21">
+            <a:extLst>
+              <a:ext uri="{FF2B5EF4-FFF2-40B4-BE49-F238E27FC236}">
+                <a16:creationId xmlns:a16="http://schemas.microsoft.com/office/drawing/2014/main" id="{113948BD-981E-0D92-68CE-F39CC0795E1D}"/>
+              </a:ext>
+            </a:extLst>
+          </p:cNvPr>
+          <p:cNvSpPr txBox="1"/>
+          <p:nvPr/>
+        </p:nvSpPr>
+        <p:spPr>
+          <a:xfrm>
+            <a:off x="4937262" y="3599925"/>
+            <a:ext cx="652743" cy="369332"/>
+          </a:xfrm>
+          <a:prstGeom prst="rect">
+            <a:avLst/>
+          </a:prstGeom>
+          <a:noFill/>
+        </p:spPr>
+        <p:txBody>
+          <a:bodyPr wrap="none" rtlCol="0">
+            <a:spAutoFit/>
+          </a:bodyPr>
+          <a:lstStyle/>
+          <a:p>
+            <a:r>
+              <a:rPr lang="en-US" dirty="0"/>
+              <a:t>$500</a:t>
+            </a:r>
+          </a:p>
+        </p:txBody>
+      </p:sp>
+      <p:sp>
+        <p:nvSpPr>
+          <p:cNvPr id="23" name="TextBox 22">
+            <a:extLst>
+              <a:ext uri="{FF2B5EF4-FFF2-40B4-BE49-F238E27FC236}">
+                <a16:creationId xmlns:a16="http://schemas.microsoft.com/office/drawing/2014/main" id="{14C084E9-EA46-DD21-5DCE-767EC7FA3D1F}"/>
+              </a:ext>
+            </a:extLst>
+          </p:cNvPr>
+          <p:cNvSpPr txBox="1"/>
+          <p:nvPr/>
+        </p:nvSpPr>
+        <p:spPr>
+          <a:xfrm>
+            <a:off x="3869635" y="4826799"/>
+            <a:ext cx="1008609" cy="369332"/>
+          </a:xfrm>
+          <a:prstGeom prst="rect">
+            <a:avLst/>
+          </a:prstGeom>
+          <a:noFill/>
+        </p:spPr>
+        <p:txBody>
+          <a:bodyPr wrap="none" rtlCol="0">
+            <a:spAutoFit/>
+          </a:bodyPr>
+          <a:lstStyle/>
+          <a:p>
+            <a:r>
+              <a:rPr lang="en-US" dirty="0"/>
+              <a:t>365 days</a:t>
+            </a:r>
+          </a:p>
+        </p:txBody>
+      </p:sp>
+    </p:spTree>
+    <p:extLst>
+      <p:ext uri="{BB962C8B-B14F-4D97-AF65-F5344CB8AC3E}">
+        <p14:creationId xmlns:p14="http://schemas.microsoft.com/office/powerpoint/2010/main" val="3107938033"/>
+      </p:ext>
+    </p:extLst>
+  </p:cSld>
+  <p:clrMapOvr>
+    <a:masterClrMapping/>
+  </p:clrMapOvr>
+</p:sld>
+</file>
+
+<file path=ppt/slides/slide35.xml><?xml version="1.0" encoding="utf-8"?>
+<p:sld xmlns:a="http://schemas.openxmlformats.org/drawingml/2006/main" xmlns:r="http://schemas.openxmlformats.org/officeDocument/2006/relationships" xmlns:p="http://schemas.openxmlformats.org/presentationml/2006/main">
+  <p:cSld>
+    <p:spTree>
+      <p:nvGrpSpPr>
+        <p:cNvPr id="1" name=""/>
+        <p:cNvGrpSpPr/>
+        <p:nvPr/>
+      </p:nvGrpSpPr>
+      <p:grpSpPr>
+        <a:xfrm>
+          <a:off x="0" y="0"/>
+          <a:ext cx="0" cy="0"/>
+          <a:chOff x="0" y="0"/>
+          <a:chExt cx="0" cy="0"/>
+        </a:xfrm>
+      </p:grpSpPr>
+      <p:sp>
+        <p:nvSpPr>
+          <p:cNvPr id="2" name="Date Placeholder 1">
+            <a:extLst>
+              <a:ext uri="{FF2B5EF4-FFF2-40B4-BE49-F238E27FC236}">
+                <a16:creationId xmlns:a16="http://schemas.microsoft.com/office/drawing/2014/main" id="{8C354900-0A49-37C8-8579-D0B71DA344C4}"/>
+              </a:ext>
+            </a:extLst>
+          </p:cNvPr>
+          <p:cNvSpPr>
+            <a:spLocks noGrp="1"/>
+          </p:cNvSpPr>
+          <p:nvPr>
+            <p:ph type="dt" sz="half" idx="10"/>
+          </p:nvPr>
+        </p:nvSpPr>
+        <p:spPr/>
+        <p:txBody>
+          <a:bodyPr/>
+          <a:lstStyle/>
+          <a:p>
+            <a:fld id="{6700A58B-DD98-43D0-B791-721480A02982}" type="datetime1">
+              <a:rPr lang="en-US" smtClean="0"/>
+              <a:t>5/17/23</a:t>
+            </a:fld>
+            <a:endParaRPr lang="en-US"/>
+          </a:p>
+        </p:txBody>
+      </p:sp>
+      <p:sp>
+        <p:nvSpPr>
+          <p:cNvPr id="3" name="Title 2">
+            <a:extLst>
+              <a:ext uri="{FF2B5EF4-FFF2-40B4-BE49-F238E27FC236}">
+                <a16:creationId xmlns:a16="http://schemas.microsoft.com/office/drawing/2014/main" id="{208DE6D3-C8B6-7AA5-BA0A-C6E82F68B100}"/>
+              </a:ext>
+            </a:extLst>
+          </p:cNvPr>
+          <p:cNvSpPr>
+            <a:spLocks noGrp="1"/>
+          </p:cNvSpPr>
+          <p:nvPr>
+            <p:ph type="title"/>
+          </p:nvPr>
+        </p:nvSpPr>
+        <p:spPr>
+          <a:xfrm>
+            <a:off x="185530" y="365126"/>
+            <a:ext cx="8958470" cy="591477"/>
+          </a:xfrm>
+        </p:spPr>
+        <p:txBody>
+          <a:bodyPr/>
+          <a:lstStyle/>
+          <a:p>
+            <a:r>
+              <a:rPr lang="en-US" dirty="0"/>
+              <a:t>What about for continuous [regression] problems?</a:t>
+            </a:r>
+          </a:p>
+        </p:txBody>
+      </p:sp>
+      <p:sp>
+        <p:nvSpPr>
+          <p:cNvPr id="4" name="Slide Number Placeholder 3">
+            <a:extLst>
+              <a:ext uri="{FF2B5EF4-FFF2-40B4-BE49-F238E27FC236}">
+                <a16:creationId xmlns:a16="http://schemas.microsoft.com/office/drawing/2014/main" id="{94815807-2EFC-ED05-4B16-0EB7AAD20E5C}"/>
+              </a:ext>
+            </a:extLst>
+          </p:cNvPr>
+          <p:cNvSpPr>
+            <a:spLocks noGrp="1"/>
+          </p:cNvSpPr>
+          <p:nvPr>
+            <p:ph type="sldNum" sz="quarter" idx="12"/>
+          </p:nvPr>
+        </p:nvSpPr>
+        <p:spPr/>
+        <p:txBody>
+          <a:bodyPr/>
+          <a:lstStyle/>
+          <a:p>
+            <a:fld id="{37290FF7-652B-4475-AEAB-8B1A5D23AE09}" type="slidenum">
+              <a:rPr lang="en-US" smtClean="0"/>
+              <a:t>35</a:t>
+            </a:fld>
+            <a:endParaRPr lang="en-US"/>
+          </a:p>
+        </p:txBody>
+      </p:sp>
+      <p:sp>
+        <p:nvSpPr>
+          <p:cNvPr id="5" name="Footer Placeholder 4">
+            <a:extLst>
+              <a:ext uri="{FF2B5EF4-FFF2-40B4-BE49-F238E27FC236}">
+                <a16:creationId xmlns:a16="http://schemas.microsoft.com/office/drawing/2014/main" id="{C3D51310-7C16-B9F7-50CF-B88314FA1DC1}"/>
+              </a:ext>
+            </a:extLst>
+          </p:cNvPr>
+          <p:cNvSpPr>
+            <a:spLocks noGrp="1"/>
+          </p:cNvSpPr>
+          <p:nvPr>
+            <p:ph type="ftr" sz="quarter" idx="3"/>
+          </p:nvPr>
+        </p:nvSpPr>
+        <p:spPr/>
+        <p:txBody>
+          <a:bodyPr/>
+          <a:lstStyle/>
+          <a:p>
+            <a:r>
+              <a:rPr lang="en-US"/>
+              <a:t>Kwartler</a:t>
+            </a:r>
+            <a:endParaRPr lang="en-US" dirty="0"/>
+          </a:p>
+        </p:txBody>
+      </p:sp>
+      <p:sp>
+        <p:nvSpPr>
+          <p:cNvPr id="6" name="TextBox 5">
+            <a:extLst>
+              <a:ext uri="{FF2B5EF4-FFF2-40B4-BE49-F238E27FC236}">
+                <a16:creationId xmlns:a16="http://schemas.microsoft.com/office/drawing/2014/main" id="{C3B0DF1F-3689-C0E7-FBE0-D92B72F3A8C3}"/>
+              </a:ext>
+            </a:extLst>
+          </p:cNvPr>
+          <p:cNvSpPr txBox="1"/>
+          <p:nvPr/>
+        </p:nvSpPr>
+        <p:spPr>
+          <a:xfrm>
+            <a:off x="6617875" y="1940305"/>
+            <a:ext cx="2486601" cy="2585323"/>
+          </a:xfrm>
+          <a:prstGeom prst="rect">
+            <a:avLst/>
+          </a:prstGeom>
+          <a:noFill/>
+        </p:spPr>
+        <p:txBody>
+          <a:bodyPr wrap="square" rtlCol="0">
+            <a:spAutoFit/>
+          </a:bodyPr>
+          <a:lstStyle/>
+          <a:p>
+            <a:r>
+              <a:rPr lang="en-US" dirty="0"/>
+              <a:t>Similarly, the other terminal node cohort would have an average of $600 (2400/4).  </a:t>
+            </a:r>
+            <a:r>
+              <a:rPr lang="en-US" i="1" dirty="0"/>
+              <a:t>Of course, with additional x-variables the outlier $1700 could be partitioned for more accuracy.</a:t>
+            </a:r>
+          </a:p>
+        </p:txBody>
+      </p:sp>
+      <p:cxnSp>
+        <p:nvCxnSpPr>
+          <p:cNvPr id="8" name="Straight Connector 7">
+            <a:extLst>
+              <a:ext uri="{FF2B5EF4-FFF2-40B4-BE49-F238E27FC236}">
+                <a16:creationId xmlns:a16="http://schemas.microsoft.com/office/drawing/2014/main" id="{4E8E7E2B-F123-251A-4D5A-F2C0BAEC811B}"/>
+              </a:ext>
+            </a:extLst>
+          </p:cNvPr>
+          <p:cNvCxnSpPr/>
+          <p:nvPr/>
+        </p:nvCxnSpPr>
+        <p:spPr>
+          <a:xfrm>
+            <a:off x="1020417" y="5115339"/>
+            <a:ext cx="4214192" cy="0"/>
+          </a:xfrm>
+          <a:prstGeom prst="line">
+            <a:avLst/>
+          </a:prstGeom>
+        </p:spPr>
+        <p:style>
+          <a:lnRef idx="1">
+            <a:schemeClr val="accent1"/>
+          </a:lnRef>
+          <a:fillRef idx="0">
+            <a:schemeClr val="accent1"/>
+          </a:fillRef>
+          <a:effectRef idx="0">
+            <a:schemeClr val="accent1"/>
+          </a:effectRef>
+          <a:fontRef idx="minor">
+            <a:schemeClr val="tx1"/>
+          </a:fontRef>
+        </p:style>
+      </p:cxnSp>
+      <p:cxnSp>
+        <p:nvCxnSpPr>
+          <p:cNvPr id="10" name="Straight Connector 9">
+            <a:extLst>
+              <a:ext uri="{FF2B5EF4-FFF2-40B4-BE49-F238E27FC236}">
+                <a16:creationId xmlns:a16="http://schemas.microsoft.com/office/drawing/2014/main" id="{B95192D7-681A-D945-331F-9D9D7DE240A6}"/>
+              </a:ext>
+            </a:extLst>
+          </p:cNvPr>
+          <p:cNvCxnSpPr/>
+          <p:nvPr/>
+        </p:nvCxnSpPr>
+        <p:spPr>
+          <a:xfrm flipV="1">
+            <a:off x="1033670" y="1736035"/>
+            <a:ext cx="0" cy="3379304"/>
+          </a:xfrm>
+          <a:prstGeom prst="line">
+            <a:avLst/>
+          </a:prstGeom>
+        </p:spPr>
+        <p:style>
+          <a:lnRef idx="1">
+            <a:schemeClr val="accent1"/>
+          </a:lnRef>
+          <a:fillRef idx="0">
+            <a:schemeClr val="accent1"/>
+          </a:fillRef>
+          <a:effectRef idx="0">
+            <a:schemeClr val="accent1"/>
+          </a:effectRef>
+          <a:fontRef idx="minor">
+            <a:schemeClr val="tx1"/>
+          </a:fontRef>
+        </p:style>
+      </p:cxnSp>
+      <p:sp>
+        <p:nvSpPr>
+          <p:cNvPr id="11" name="Oval 10">
+            <a:extLst>
+              <a:ext uri="{FF2B5EF4-FFF2-40B4-BE49-F238E27FC236}">
+                <a16:creationId xmlns:a16="http://schemas.microsoft.com/office/drawing/2014/main" id="{405291CB-38FA-D4EF-B29A-E4CB6AF15B47}"/>
+              </a:ext>
+            </a:extLst>
+          </p:cNvPr>
+          <p:cNvSpPr/>
+          <p:nvPr/>
+        </p:nvSpPr>
+        <p:spPr>
+          <a:xfrm>
+            <a:off x="1518202" y="4548504"/>
+            <a:ext cx="278295" cy="278295"/>
+          </a:xfrm>
+          <a:prstGeom prst="ellipse">
+            <a:avLst/>
+          </a:prstGeom>
+        </p:spPr>
+        <p:style>
+          <a:lnRef idx="2">
+            <a:schemeClr val="accent1">
+              <a:shade val="50000"/>
+            </a:schemeClr>
+          </a:lnRef>
+          <a:fillRef idx="1">
+            <a:schemeClr val="accent1"/>
+          </a:fillRef>
+          <a:effectRef idx="0">
+            <a:schemeClr val="accent1"/>
+          </a:effectRef>
+          <a:fontRef idx="minor">
+            <a:schemeClr val="lt1"/>
+          </a:fontRef>
+        </p:style>
+        <p:txBody>
+          <a:bodyPr rtlCol="0" anchor="ctr"/>
+          <a:lstStyle/>
+          <a:p>
+            <a:pPr algn="ctr"/>
+            <a:endParaRPr lang="en-US"/>
+          </a:p>
+        </p:txBody>
+      </p:sp>
+      <p:sp>
+        <p:nvSpPr>
+          <p:cNvPr id="12" name="Oval 11">
+            <a:extLst>
+              <a:ext uri="{FF2B5EF4-FFF2-40B4-BE49-F238E27FC236}">
+                <a16:creationId xmlns:a16="http://schemas.microsoft.com/office/drawing/2014/main" id="{F2A5E825-7F7A-F57C-36F2-608481482DF5}"/>
+              </a:ext>
+            </a:extLst>
+          </p:cNvPr>
+          <p:cNvSpPr/>
+          <p:nvPr/>
+        </p:nvSpPr>
+        <p:spPr>
+          <a:xfrm>
+            <a:off x="1899618" y="3961276"/>
+            <a:ext cx="278295" cy="278295"/>
+          </a:xfrm>
+          <a:prstGeom prst="ellipse">
+            <a:avLst/>
+          </a:prstGeom>
+        </p:spPr>
+        <p:style>
+          <a:lnRef idx="2">
+            <a:schemeClr val="accent1">
+              <a:shade val="50000"/>
+            </a:schemeClr>
+          </a:lnRef>
+          <a:fillRef idx="1">
+            <a:schemeClr val="accent1"/>
+          </a:fillRef>
+          <a:effectRef idx="0">
+            <a:schemeClr val="accent1"/>
+          </a:effectRef>
+          <a:fontRef idx="minor">
+            <a:schemeClr val="lt1"/>
+          </a:fontRef>
+        </p:style>
+        <p:txBody>
+          <a:bodyPr rtlCol="0" anchor="ctr"/>
+          <a:lstStyle/>
+          <a:p>
+            <a:pPr algn="ctr"/>
+            <a:endParaRPr lang="en-US"/>
+          </a:p>
+        </p:txBody>
+      </p:sp>
+      <p:sp>
+        <p:nvSpPr>
+          <p:cNvPr id="13" name="Oval 12">
+            <a:extLst>
+              <a:ext uri="{FF2B5EF4-FFF2-40B4-BE49-F238E27FC236}">
+                <a16:creationId xmlns:a16="http://schemas.microsoft.com/office/drawing/2014/main" id="{25667BE3-E233-4A63-BF60-B0D1EFAFEF8D}"/>
+              </a:ext>
+            </a:extLst>
+          </p:cNvPr>
+          <p:cNvSpPr/>
+          <p:nvPr/>
+        </p:nvSpPr>
+        <p:spPr>
+          <a:xfrm>
+            <a:off x="1501638" y="1930639"/>
+            <a:ext cx="278295" cy="278295"/>
+          </a:xfrm>
+          <a:prstGeom prst="ellipse">
+            <a:avLst/>
+          </a:prstGeom>
+        </p:spPr>
+        <p:style>
+          <a:lnRef idx="2">
+            <a:schemeClr val="accent1">
+              <a:shade val="50000"/>
+            </a:schemeClr>
+          </a:lnRef>
+          <a:fillRef idx="1">
+            <a:schemeClr val="accent1"/>
+          </a:fillRef>
+          <a:effectRef idx="0">
+            <a:schemeClr val="accent1"/>
+          </a:effectRef>
+          <a:fontRef idx="minor">
+            <a:schemeClr val="lt1"/>
+          </a:fontRef>
+        </p:style>
+        <p:txBody>
+          <a:bodyPr rtlCol="0" anchor="ctr"/>
+          <a:lstStyle/>
+          <a:p>
+            <a:pPr algn="ctr"/>
+            <a:endParaRPr lang="en-US"/>
+          </a:p>
+        </p:txBody>
+      </p:sp>
+      <p:sp>
+        <p:nvSpPr>
+          <p:cNvPr id="14" name="Oval 13">
+            <a:extLst>
+              <a:ext uri="{FF2B5EF4-FFF2-40B4-BE49-F238E27FC236}">
+                <a16:creationId xmlns:a16="http://schemas.microsoft.com/office/drawing/2014/main" id="{3189605F-05D6-CFAF-A83F-86C6BDD65D7E}"/>
+              </a:ext>
+            </a:extLst>
+          </p:cNvPr>
+          <p:cNvSpPr/>
+          <p:nvPr/>
+        </p:nvSpPr>
+        <p:spPr>
+          <a:xfrm>
+            <a:off x="4525617" y="2613406"/>
+            <a:ext cx="278295" cy="278295"/>
+          </a:xfrm>
+          <a:prstGeom prst="ellipse">
+            <a:avLst/>
+          </a:prstGeom>
+        </p:spPr>
+        <p:style>
+          <a:lnRef idx="2">
+            <a:schemeClr val="accent1">
+              <a:shade val="50000"/>
+            </a:schemeClr>
+          </a:lnRef>
+          <a:fillRef idx="1">
+            <a:schemeClr val="accent1"/>
+          </a:fillRef>
+          <a:effectRef idx="0">
+            <a:schemeClr val="accent1"/>
+          </a:effectRef>
+          <a:fontRef idx="minor">
+            <a:schemeClr val="lt1"/>
+          </a:fontRef>
+        </p:style>
+        <p:txBody>
+          <a:bodyPr rtlCol="0" anchor="ctr"/>
+          <a:lstStyle/>
+          <a:p>
+            <a:pPr algn="ctr"/>
+            <a:endParaRPr lang="en-US"/>
+          </a:p>
+        </p:txBody>
+      </p:sp>
+      <p:sp>
+        <p:nvSpPr>
+          <p:cNvPr id="15" name="Oval 14">
+            <a:extLst>
+              <a:ext uri="{FF2B5EF4-FFF2-40B4-BE49-F238E27FC236}">
+                <a16:creationId xmlns:a16="http://schemas.microsoft.com/office/drawing/2014/main" id="{85983DAD-C09C-04F2-0297-CD6AA5871FB4}"/>
+              </a:ext>
+            </a:extLst>
+          </p:cNvPr>
+          <p:cNvSpPr/>
+          <p:nvPr/>
+        </p:nvSpPr>
+        <p:spPr>
+          <a:xfrm>
+            <a:off x="4147931" y="2308987"/>
+            <a:ext cx="278295" cy="278295"/>
+          </a:xfrm>
+          <a:prstGeom prst="ellipse">
+            <a:avLst/>
+          </a:prstGeom>
+        </p:spPr>
+        <p:style>
+          <a:lnRef idx="2">
+            <a:schemeClr val="accent1">
+              <a:shade val="50000"/>
+            </a:schemeClr>
+          </a:lnRef>
+          <a:fillRef idx="1">
+            <a:schemeClr val="accent1"/>
+          </a:fillRef>
+          <a:effectRef idx="0">
+            <a:schemeClr val="accent1"/>
+          </a:effectRef>
+          <a:fontRef idx="minor">
+            <a:schemeClr val="lt1"/>
+          </a:fontRef>
+        </p:style>
+        <p:txBody>
+          <a:bodyPr rtlCol="0" anchor="ctr"/>
+          <a:lstStyle/>
+          <a:p>
+            <a:pPr algn="ctr"/>
+            <a:endParaRPr lang="en-US"/>
+          </a:p>
+        </p:txBody>
+      </p:sp>
+      <p:sp>
+        <p:nvSpPr>
+          <p:cNvPr id="16" name="Oval 15">
+            <a:extLst>
+              <a:ext uri="{FF2B5EF4-FFF2-40B4-BE49-F238E27FC236}">
+                <a16:creationId xmlns:a16="http://schemas.microsoft.com/office/drawing/2014/main" id="{4D460792-E723-7309-8234-B9A554CC2E44}"/>
+              </a:ext>
+            </a:extLst>
+          </p:cNvPr>
+          <p:cNvSpPr/>
+          <p:nvPr/>
+        </p:nvSpPr>
+        <p:spPr>
+          <a:xfrm>
+            <a:off x="3187148" y="3950751"/>
+            <a:ext cx="278295" cy="278295"/>
+          </a:xfrm>
+          <a:prstGeom prst="ellipse">
+            <a:avLst/>
+          </a:prstGeom>
+        </p:spPr>
+        <p:style>
+          <a:lnRef idx="2">
+            <a:schemeClr val="accent1">
+              <a:shade val="50000"/>
+            </a:schemeClr>
+          </a:lnRef>
+          <a:fillRef idx="1">
+            <a:schemeClr val="accent1"/>
+          </a:fillRef>
+          <a:effectRef idx="0">
+            <a:schemeClr val="accent1"/>
+          </a:effectRef>
+          <a:fontRef idx="minor">
+            <a:schemeClr val="lt1"/>
+          </a:fontRef>
+        </p:style>
+        <p:txBody>
+          <a:bodyPr rtlCol="0" anchor="ctr"/>
+          <a:lstStyle/>
+          <a:p>
+            <a:pPr algn="ctr"/>
+            <a:endParaRPr lang="en-US"/>
+          </a:p>
+        </p:txBody>
+      </p:sp>
+      <p:sp>
+        <p:nvSpPr>
+          <p:cNvPr id="17" name="Oval 16">
+            <a:extLst>
+              <a:ext uri="{FF2B5EF4-FFF2-40B4-BE49-F238E27FC236}">
+                <a16:creationId xmlns:a16="http://schemas.microsoft.com/office/drawing/2014/main" id="{80557EC4-55AA-981B-ABE4-8CF23E022AC5}"/>
+              </a:ext>
+            </a:extLst>
+          </p:cNvPr>
+          <p:cNvSpPr/>
+          <p:nvPr/>
+        </p:nvSpPr>
+        <p:spPr>
+          <a:xfrm>
+            <a:off x="4572000" y="3639324"/>
+            <a:ext cx="278295" cy="278295"/>
+          </a:xfrm>
+          <a:prstGeom prst="ellipse">
+            <a:avLst/>
+          </a:prstGeom>
+        </p:spPr>
+        <p:style>
+          <a:lnRef idx="2">
+            <a:schemeClr val="accent1">
+              <a:shade val="50000"/>
+            </a:schemeClr>
+          </a:lnRef>
+          <a:fillRef idx="1">
+            <a:schemeClr val="accent1"/>
+          </a:fillRef>
+          <a:effectRef idx="0">
+            <a:schemeClr val="accent1"/>
+          </a:effectRef>
+          <a:fontRef idx="minor">
+            <a:schemeClr val="lt1"/>
+          </a:fontRef>
+        </p:style>
+        <p:txBody>
+          <a:bodyPr rtlCol="0" anchor="ctr"/>
+          <a:lstStyle/>
+          <a:p>
+            <a:pPr algn="ctr"/>
+            <a:endParaRPr lang="en-US"/>
+          </a:p>
+        </p:txBody>
+      </p:sp>
+      <p:sp>
+        <p:nvSpPr>
+          <p:cNvPr id="18" name="TextBox 17">
+            <a:extLst>
+              <a:ext uri="{FF2B5EF4-FFF2-40B4-BE49-F238E27FC236}">
+                <a16:creationId xmlns:a16="http://schemas.microsoft.com/office/drawing/2014/main" id="{43659AEC-28C6-8041-DEB2-3F0BD07A63A9}"/>
+              </a:ext>
+            </a:extLst>
+          </p:cNvPr>
+          <p:cNvSpPr txBox="1"/>
+          <p:nvPr/>
+        </p:nvSpPr>
+        <p:spPr>
+          <a:xfrm>
+            <a:off x="1863600" y="5189772"/>
+            <a:ext cx="3073662" cy="369332"/>
+          </a:xfrm>
+          <a:prstGeom prst="rect">
+            <a:avLst/>
+          </a:prstGeom>
+          <a:noFill/>
+        </p:spPr>
+        <p:txBody>
+          <a:bodyPr wrap="none" rtlCol="0">
+            <a:spAutoFit/>
+          </a:bodyPr>
+          <a:lstStyle/>
+          <a:p>
+            <a:r>
+              <a:rPr lang="en-US" dirty="0"/>
+              <a:t>Days with the bank [x-variable]</a:t>
+            </a:r>
+          </a:p>
+        </p:txBody>
+      </p:sp>
+      <p:sp>
+        <p:nvSpPr>
+          <p:cNvPr id="19" name="TextBox 18">
+            <a:extLst>
+              <a:ext uri="{FF2B5EF4-FFF2-40B4-BE49-F238E27FC236}">
+                <a16:creationId xmlns:a16="http://schemas.microsoft.com/office/drawing/2014/main" id="{7BDA3EE1-36FF-6DEF-40F3-1502D0802D33}"/>
+              </a:ext>
+            </a:extLst>
+          </p:cNvPr>
+          <p:cNvSpPr txBox="1"/>
+          <p:nvPr/>
+        </p:nvSpPr>
+        <p:spPr>
+          <a:xfrm rot="16200000">
+            <a:off x="-669039" y="3317818"/>
+            <a:ext cx="2725490" cy="646331"/>
+          </a:xfrm>
+          <a:prstGeom prst="rect">
+            <a:avLst/>
+          </a:prstGeom>
+          <a:noFill/>
+        </p:spPr>
+        <p:txBody>
+          <a:bodyPr wrap="none" rtlCol="0">
+            <a:spAutoFit/>
+          </a:bodyPr>
+          <a:lstStyle/>
+          <a:p>
+            <a:pPr algn="ctr"/>
+            <a:r>
+              <a:rPr lang="en-US" dirty="0"/>
+              <a:t>Avg Monthly Bank Balance </a:t>
+            </a:r>
+          </a:p>
+          <a:p>
+            <a:pPr algn="ctr"/>
+            <a:r>
+              <a:rPr lang="en-US" dirty="0"/>
+              <a:t>[continuous y-variable]</a:t>
+            </a:r>
+          </a:p>
+        </p:txBody>
+      </p:sp>
+      <p:cxnSp>
+        <p:nvCxnSpPr>
+          <p:cNvPr id="9" name="Straight Connector 8">
+            <a:extLst>
+              <a:ext uri="{FF2B5EF4-FFF2-40B4-BE49-F238E27FC236}">
+                <a16:creationId xmlns:a16="http://schemas.microsoft.com/office/drawing/2014/main" id="{CADFFA7B-C494-B194-F8C9-EDD41D07F8DA}"/>
+              </a:ext>
+            </a:extLst>
+          </p:cNvPr>
+          <p:cNvCxnSpPr/>
+          <p:nvPr/>
+        </p:nvCxnSpPr>
+        <p:spPr>
+          <a:xfrm flipV="1">
+            <a:off x="3909391" y="1828799"/>
+            <a:ext cx="0" cy="3267694"/>
+          </a:xfrm>
+          <a:prstGeom prst="line">
+            <a:avLst/>
+          </a:prstGeom>
+          <a:ln>
+            <a:solidFill>
+              <a:schemeClr val="accent6"/>
+            </a:solidFill>
+            <a:prstDash val="dash"/>
+          </a:ln>
+        </p:spPr>
+        <p:style>
+          <a:lnRef idx="1">
+            <a:schemeClr val="accent1"/>
+          </a:lnRef>
+          <a:fillRef idx="0">
+            <a:schemeClr val="accent1"/>
+          </a:fillRef>
+          <a:effectRef idx="0">
+            <a:schemeClr val="accent1"/>
+          </a:effectRef>
+          <a:fontRef idx="minor">
+            <a:schemeClr val="tx1"/>
+          </a:fontRef>
+        </p:style>
+      </p:cxnSp>
+      <p:sp>
+        <p:nvSpPr>
+          <p:cNvPr id="20" name="TextBox 19">
+            <a:extLst>
+              <a:ext uri="{FF2B5EF4-FFF2-40B4-BE49-F238E27FC236}">
+                <a16:creationId xmlns:a16="http://schemas.microsoft.com/office/drawing/2014/main" id="{D328E38A-49B0-2670-33B1-9075A66AF4BD}"/>
+              </a:ext>
+            </a:extLst>
+          </p:cNvPr>
+          <p:cNvSpPr txBox="1"/>
+          <p:nvPr/>
+        </p:nvSpPr>
+        <p:spPr>
+          <a:xfrm>
+            <a:off x="1779933" y="4523104"/>
+            <a:ext cx="652743" cy="369332"/>
+          </a:xfrm>
+          <a:prstGeom prst="rect">
+            <a:avLst/>
+          </a:prstGeom>
+          <a:noFill/>
+        </p:spPr>
+        <p:txBody>
+          <a:bodyPr wrap="none" rtlCol="0">
+            <a:spAutoFit/>
+          </a:bodyPr>
+          <a:lstStyle/>
+          <a:p>
+            <a:r>
+              <a:rPr lang="en-US" dirty="0"/>
+              <a:t>$100</a:t>
+            </a:r>
+          </a:p>
+        </p:txBody>
+      </p:sp>
+      <p:sp>
+        <p:nvSpPr>
+          <p:cNvPr id="21" name="TextBox 20">
+            <a:extLst>
+              <a:ext uri="{FF2B5EF4-FFF2-40B4-BE49-F238E27FC236}">
+                <a16:creationId xmlns:a16="http://schemas.microsoft.com/office/drawing/2014/main" id="{78CAB78A-529C-F07D-AD3A-414C8566F692}"/>
+              </a:ext>
+            </a:extLst>
+          </p:cNvPr>
+          <p:cNvSpPr txBox="1"/>
+          <p:nvPr/>
+        </p:nvSpPr>
+        <p:spPr>
+          <a:xfrm>
+            <a:off x="2026107" y="3702178"/>
+            <a:ext cx="652743" cy="369332"/>
+          </a:xfrm>
+          <a:prstGeom prst="rect">
+            <a:avLst/>
+          </a:prstGeom>
+          <a:noFill/>
+        </p:spPr>
+        <p:txBody>
+          <a:bodyPr wrap="none" rtlCol="0">
+            <a:spAutoFit/>
+          </a:bodyPr>
+          <a:lstStyle/>
+          <a:p>
+            <a:r>
+              <a:rPr lang="en-US" dirty="0"/>
+              <a:t>$300</a:t>
+            </a:r>
+          </a:p>
+        </p:txBody>
+      </p:sp>
+      <p:sp>
+        <p:nvSpPr>
+          <p:cNvPr id="22" name="TextBox 21">
+            <a:extLst>
+              <a:ext uri="{FF2B5EF4-FFF2-40B4-BE49-F238E27FC236}">
+                <a16:creationId xmlns:a16="http://schemas.microsoft.com/office/drawing/2014/main" id="{113948BD-981E-0D92-68CE-F39CC0795E1D}"/>
+              </a:ext>
+            </a:extLst>
+          </p:cNvPr>
+          <p:cNvSpPr txBox="1"/>
+          <p:nvPr/>
+        </p:nvSpPr>
+        <p:spPr>
+          <a:xfrm>
+            <a:off x="2980294" y="4229046"/>
+            <a:ext cx="652743" cy="369332"/>
+          </a:xfrm>
+          <a:prstGeom prst="rect">
+            <a:avLst/>
+          </a:prstGeom>
+          <a:noFill/>
+        </p:spPr>
+        <p:txBody>
+          <a:bodyPr wrap="none" rtlCol="0">
+            <a:spAutoFit/>
+          </a:bodyPr>
+          <a:lstStyle/>
+          <a:p>
+            <a:r>
+              <a:rPr lang="en-US" dirty="0"/>
+              <a:t>$300</a:t>
+            </a:r>
+          </a:p>
+        </p:txBody>
+      </p:sp>
+      <p:sp>
+        <p:nvSpPr>
+          <p:cNvPr id="23" name="TextBox 22">
+            <a:extLst>
+              <a:ext uri="{FF2B5EF4-FFF2-40B4-BE49-F238E27FC236}">
+                <a16:creationId xmlns:a16="http://schemas.microsoft.com/office/drawing/2014/main" id="{14C084E9-EA46-DD21-5DCE-767EC7FA3D1F}"/>
+              </a:ext>
+            </a:extLst>
+          </p:cNvPr>
+          <p:cNvSpPr txBox="1"/>
+          <p:nvPr/>
+        </p:nvSpPr>
+        <p:spPr>
+          <a:xfrm>
+            <a:off x="3869635" y="4826799"/>
+            <a:ext cx="1008609" cy="369332"/>
+          </a:xfrm>
+          <a:prstGeom prst="rect">
+            <a:avLst/>
+          </a:prstGeom>
+          <a:noFill/>
+        </p:spPr>
+        <p:txBody>
+          <a:bodyPr wrap="none" rtlCol="0">
+            <a:spAutoFit/>
+          </a:bodyPr>
+          <a:lstStyle/>
+          <a:p>
+            <a:r>
+              <a:rPr lang="en-US" dirty="0"/>
+              <a:t>365 days</a:t>
+            </a:r>
+          </a:p>
+        </p:txBody>
+      </p:sp>
+      <p:sp>
+        <p:nvSpPr>
+          <p:cNvPr id="7" name="TextBox 6">
+            <a:extLst>
+              <a:ext uri="{FF2B5EF4-FFF2-40B4-BE49-F238E27FC236}">
+                <a16:creationId xmlns:a16="http://schemas.microsoft.com/office/drawing/2014/main" id="{E24373CF-0CDC-443F-A556-83774AD23148}"/>
+              </a:ext>
+            </a:extLst>
+          </p:cNvPr>
+          <p:cNvSpPr txBox="1"/>
+          <p:nvPr/>
+        </p:nvSpPr>
+        <p:spPr>
+          <a:xfrm>
+            <a:off x="1785386" y="1889738"/>
+            <a:ext cx="769763" cy="369332"/>
+          </a:xfrm>
+          <a:prstGeom prst="rect">
+            <a:avLst/>
+          </a:prstGeom>
+          <a:noFill/>
+        </p:spPr>
+        <p:txBody>
+          <a:bodyPr wrap="none" rtlCol="0">
+            <a:spAutoFit/>
+          </a:bodyPr>
+          <a:lstStyle/>
+          <a:p>
+            <a:r>
+              <a:rPr lang="en-US" dirty="0"/>
+              <a:t>$1700</a:t>
+            </a:r>
+          </a:p>
+        </p:txBody>
+      </p:sp>
+    </p:spTree>
+    <p:extLst>
+      <p:ext uri="{BB962C8B-B14F-4D97-AF65-F5344CB8AC3E}">
+        <p14:creationId xmlns:p14="http://schemas.microsoft.com/office/powerpoint/2010/main" val="3628571113"/>
+      </p:ext>
+    </p:extLst>
+  </p:cSld>
+  <p:clrMapOvr>
+    <a:masterClrMapping/>
+  </p:clrMapOvr>
+</p:sld>
+</file>
+
+<file path=ppt/slides/slide36.xml><?xml version="1.0" encoding="utf-8"?>
+<p:sld xmlns:a="http://schemas.openxmlformats.org/drawingml/2006/main" xmlns:r="http://schemas.openxmlformats.org/officeDocument/2006/relationships" xmlns:p="http://schemas.openxmlformats.org/presentationml/2006/main">
+  <p:cSld>
+    <p:spTree>
+      <p:nvGrpSpPr>
+        <p:cNvPr id="1" name=""/>
+        <p:cNvGrpSpPr/>
+        <p:nvPr/>
+      </p:nvGrpSpPr>
+      <p:grpSpPr>
+        <a:xfrm>
+          <a:off x="0" y="0"/>
+          <a:ext cx="0" cy="0"/>
+          <a:chOff x="0" y="0"/>
+          <a:chExt cx="0" cy="0"/>
+        </a:xfrm>
+      </p:grpSpPr>
+      <p:sp>
+        <p:nvSpPr>
+          <p:cNvPr id="2" name="Date Placeholder 1">
+            <a:extLst>
+              <a:ext uri="{FF2B5EF4-FFF2-40B4-BE49-F238E27FC236}">
+                <a16:creationId xmlns:a16="http://schemas.microsoft.com/office/drawing/2014/main" id="{73F53341-089A-7C17-8BAD-02C5A54DCAD7}"/>
+              </a:ext>
+            </a:extLst>
+          </p:cNvPr>
+          <p:cNvSpPr>
+            <a:spLocks noGrp="1"/>
+          </p:cNvSpPr>
+          <p:nvPr>
+            <p:ph type="dt" sz="half" idx="10"/>
+          </p:nvPr>
+        </p:nvSpPr>
+        <p:spPr/>
+        <p:txBody>
+          <a:bodyPr/>
+          <a:lstStyle/>
+          <a:p>
+            <a:fld id="{6700A58B-DD98-43D0-B791-721480A02982}" type="datetime1">
+              <a:rPr lang="en-US" smtClean="0"/>
+              <a:t>5/17/23</a:t>
+            </a:fld>
+            <a:endParaRPr lang="en-US"/>
+          </a:p>
+        </p:txBody>
+      </p:sp>
+      <p:sp>
+        <p:nvSpPr>
+          <p:cNvPr id="3" name="Title 2">
+            <a:extLst>
+              <a:ext uri="{FF2B5EF4-FFF2-40B4-BE49-F238E27FC236}">
+                <a16:creationId xmlns:a16="http://schemas.microsoft.com/office/drawing/2014/main" id="{CF5BFE97-C53C-63D7-46C9-5A2A57A386A2}"/>
+              </a:ext>
+            </a:extLst>
+          </p:cNvPr>
+          <p:cNvSpPr>
+            <a:spLocks noGrp="1"/>
+          </p:cNvSpPr>
+          <p:nvPr>
+            <p:ph type="title"/>
+          </p:nvPr>
+        </p:nvSpPr>
+        <p:spPr/>
+        <p:txBody>
+          <a:bodyPr/>
+          <a:lstStyle/>
+          <a:p>
+            <a:r>
+              <a:rPr lang="en-US" dirty="0"/>
+              <a:t>Open </a:t>
+            </a:r>
+            <a:r>
+              <a:rPr lang="en-US" dirty="0" err="1"/>
+              <a:t>B_Regression</a:t>
+            </a:r>
+            <a:r>
+              <a:rPr lang="en-US" dirty="0"/>
+              <a:t> Decision </a:t>
+            </a:r>
+            <a:r>
+              <a:rPr lang="en-US" dirty="0" err="1"/>
+              <a:t>Tree.R</a:t>
+            </a:r>
+            <a:endParaRPr lang="en-US" dirty="0"/>
+          </a:p>
+        </p:txBody>
+      </p:sp>
+      <p:sp>
+        <p:nvSpPr>
+          <p:cNvPr id="4" name="Slide Number Placeholder 3">
+            <a:extLst>
+              <a:ext uri="{FF2B5EF4-FFF2-40B4-BE49-F238E27FC236}">
+                <a16:creationId xmlns:a16="http://schemas.microsoft.com/office/drawing/2014/main" id="{9454E104-5F56-C45A-D7B5-14BD6B87226E}"/>
+              </a:ext>
+            </a:extLst>
+          </p:cNvPr>
+          <p:cNvSpPr>
+            <a:spLocks noGrp="1"/>
+          </p:cNvSpPr>
+          <p:nvPr>
+            <p:ph type="sldNum" sz="quarter" idx="12"/>
+          </p:nvPr>
+        </p:nvSpPr>
+        <p:spPr/>
+        <p:txBody>
+          <a:bodyPr/>
+          <a:lstStyle/>
+          <a:p>
+            <a:fld id="{37290FF7-652B-4475-AEAB-8B1A5D23AE09}" type="slidenum">
+              <a:rPr lang="en-US" smtClean="0"/>
+              <a:t>36</a:t>
+            </a:fld>
+            <a:endParaRPr lang="en-US"/>
+          </a:p>
+        </p:txBody>
+      </p:sp>
+      <p:sp>
+        <p:nvSpPr>
+          <p:cNvPr id="5" name="Footer Placeholder 4">
+            <a:extLst>
+              <a:ext uri="{FF2B5EF4-FFF2-40B4-BE49-F238E27FC236}">
+                <a16:creationId xmlns:a16="http://schemas.microsoft.com/office/drawing/2014/main" id="{B4A0230F-7A50-50DB-749C-159EFB2F40FF}"/>
+              </a:ext>
+            </a:extLst>
+          </p:cNvPr>
+          <p:cNvSpPr>
+            <a:spLocks noGrp="1"/>
+          </p:cNvSpPr>
+          <p:nvPr>
+            <p:ph type="ftr" sz="quarter" idx="3"/>
+          </p:nvPr>
+        </p:nvSpPr>
+        <p:spPr/>
+        <p:txBody>
+          <a:bodyPr/>
+          <a:lstStyle/>
+          <a:p>
+            <a:r>
+              <a:rPr lang="en-US"/>
+              <a:t>Kwartler</a:t>
+            </a:r>
+            <a:endParaRPr lang="en-US" dirty="0"/>
+          </a:p>
+        </p:txBody>
+      </p:sp>
+    </p:spTree>
+    <p:extLst>
+      <p:ext uri="{BB962C8B-B14F-4D97-AF65-F5344CB8AC3E}">
+        <p14:creationId xmlns:p14="http://schemas.microsoft.com/office/powerpoint/2010/main" val="3212062911"/>
       </p:ext>
     </p:extLst>
   </p:cSld>
@@ -22386,7 +24922,7 @@
           <a:p>
             <a:fld id="{9B19E99B-5349-415A-8E56-8E989211A366}" type="datetime1">
               <a:rPr lang="en-US" smtClean="0"/>
-              <a:t>5/11/23</a:t>
+              <a:t>5/17/23</a:t>
             </a:fld>
             <a:endParaRPr lang="en-US"/>
           </a:p>
@@ -22518,7 +25054,7 @@
           <a:p>
             <a:fld id="{6700A58B-DD98-43D0-B791-721480A02982}" type="datetime1">
               <a:rPr lang="en-US" smtClean="0"/>
-              <a:t>5/11/23</a:t>
+              <a:t>5/17/23</a:t>
             </a:fld>
             <a:endParaRPr lang="en-US"/>
           </a:p>
@@ -22769,7 +25305,7 @@
           <a:p>
             <a:fld id="{6700A58B-DD98-43D0-B791-721480A02982}" type="datetime1">
               <a:rPr lang="en-US" smtClean="0"/>
-              <a:t>5/11/23</a:t>
+              <a:t>5/17/23</a:t>
             </a:fld>
             <a:endParaRPr lang="en-US"/>
           </a:p>
@@ -23000,7 +25536,7 @@
           <a:p>
             <a:fld id="{6700A58B-DD98-43D0-B791-721480A02982}" type="datetime1">
               <a:rPr lang="en-US" smtClean="0"/>
-              <a:t>5/11/23</a:t>
+              <a:t>5/17/23</a:t>
             </a:fld>
             <a:endParaRPr lang="en-US"/>
           </a:p>
@@ -23463,7 +25999,7 @@
           <a:p>
             <a:fld id="{9B19E99B-5349-415A-8E56-8E989211A366}" type="datetime1">
               <a:rPr lang="en-US" smtClean="0"/>
-              <a:t>5/11/23</a:t>
+              <a:t>5/17/23</a:t>
             </a:fld>
             <a:endParaRPr lang="en-US"/>
           </a:p>
@@ -23595,7 +26131,7 @@
           <a:p>
             <a:fld id="{6700A58B-DD98-43D0-B791-721480A02982}" type="datetime1">
               <a:rPr lang="en-US" smtClean="0"/>
-              <a:t>5/11/23</a:t>
+              <a:t>5/17/23</a:t>
             </a:fld>
             <a:endParaRPr lang="en-US"/>
           </a:p>
